--- a/Materials/figures manually created/Lens Model.pptx
+++ b/Materials/figures manually created/Lens Model.pptx
@@ -209,7 +209,7 @@
           <a:p>
             <a:fld id="{77C10B95-DE72-CA42-8E03-6337D8532236}" type="datetimeFigureOut">
               <a:rPr lang="de-DE" smtClean="0"/>
-              <a:t>09.12.2025</a:t>
+              <a:t>10.12.2025</a:t>
             </a:fld>
             <a:endParaRPr lang="de-DE"/>
           </a:p>
@@ -505,8 +505,8 @@
         </p:nvSpPr>
         <p:spPr>
           <a:xfrm>
-            <a:off x="-2867025" y="1143000"/>
-            <a:ext cx="12592050" cy="3086100"/>
+            <a:off x="-750888" y="1143000"/>
+            <a:ext cx="8359776" cy="3086100"/>
           </a:xfrm>
         </p:spPr>
       </p:sp>
@@ -696,7 +696,7 @@
           <a:p>
             <a:fld id="{24188342-571A-6841-AC1D-E620118845AD}" type="datetimeFigureOut">
               <a:rPr lang="en-US" smtClean="0"/>
-              <a:t>12/9/2025</a:t>
+              <a:t>12/10/2025</a:t>
             </a:fld>
             <a:endParaRPr lang="en-US"/>
           </a:p>
@@ -866,7 +866,7 @@
           <a:p>
             <a:fld id="{24188342-571A-6841-AC1D-E620118845AD}" type="datetimeFigureOut">
               <a:rPr lang="en-US" smtClean="0"/>
-              <a:t>12/9/2025</a:t>
+              <a:t>12/10/2025</a:t>
             </a:fld>
             <a:endParaRPr lang="en-US"/>
           </a:p>
@@ -1046,7 +1046,7 @@
           <a:p>
             <a:fld id="{24188342-571A-6841-AC1D-E620118845AD}" type="datetimeFigureOut">
               <a:rPr lang="en-US" smtClean="0"/>
-              <a:t>12/9/2025</a:t>
+              <a:t>12/10/2025</a:t>
             </a:fld>
             <a:endParaRPr lang="en-US"/>
           </a:p>
@@ -1216,7 +1216,7 @@
           <a:p>
             <a:fld id="{24188342-571A-6841-AC1D-E620118845AD}" type="datetimeFigureOut">
               <a:rPr lang="en-US" smtClean="0"/>
-              <a:t>12/9/2025</a:t>
+              <a:t>12/10/2025</a:t>
             </a:fld>
             <a:endParaRPr lang="en-US"/>
           </a:p>
@@ -1462,7 +1462,7 @@
           <a:p>
             <a:fld id="{24188342-571A-6841-AC1D-E620118845AD}" type="datetimeFigureOut">
               <a:rPr lang="en-US" smtClean="0"/>
-              <a:t>12/9/2025</a:t>
+              <a:t>12/10/2025</a:t>
             </a:fld>
             <a:endParaRPr lang="en-US"/>
           </a:p>
@@ -1694,7 +1694,7 @@
           <a:p>
             <a:fld id="{24188342-571A-6841-AC1D-E620118845AD}" type="datetimeFigureOut">
               <a:rPr lang="en-US" smtClean="0"/>
-              <a:t>12/9/2025</a:t>
+              <a:t>12/10/2025</a:t>
             </a:fld>
             <a:endParaRPr lang="en-US"/>
           </a:p>
@@ -2061,7 +2061,7 @@
           <a:p>
             <a:fld id="{24188342-571A-6841-AC1D-E620118845AD}" type="datetimeFigureOut">
               <a:rPr lang="en-US" smtClean="0"/>
-              <a:t>12/9/2025</a:t>
+              <a:t>12/10/2025</a:t>
             </a:fld>
             <a:endParaRPr lang="en-US"/>
           </a:p>
@@ -2179,7 +2179,7 @@
           <a:p>
             <a:fld id="{24188342-571A-6841-AC1D-E620118845AD}" type="datetimeFigureOut">
               <a:rPr lang="en-US" smtClean="0"/>
-              <a:t>12/9/2025</a:t>
+              <a:t>12/10/2025</a:t>
             </a:fld>
             <a:endParaRPr lang="en-US"/>
           </a:p>
@@ -2274,7 +2274,7 @@
           <a:p>
             <a:fld id="{24188342-571A-6841-AC1D-E620118845AD}" type="datetimeFigureOut">
               <a:rPr lang="en-US" smtClean="0"/>
-              <a:t>12/9/2025</a:t>
+              <a:t>12/10/2025</a:t>
             </a:fld>
             <a:endParaRPr lang="en-US"/>
           </a:p>
@@ -2551,7 +2551,7 @@
           <a:p>
             <a:fld id="{24188342-571A-6841-AC1D-E620118845AD}" type="datetimeFigureOut">
               <a:rPr lang="en-US" smtClean="0"/>
-              <a:t>12/9/2025</a:t>
+              <a:t>12/10/2025</a:t>
             </a:fld>
             <a:endParaRPr lang="en-US"/>
           </a:p>
@@ -2808,7 +2808,7 @@
           <a:p>
             <a:fld id="{24188342-571A-6841-AC1D-E620118845AD}" type="datetimeFigureOut">
               <a:rPr lang="en-US" smtClean="0"/>
-              <a:t>12/9/2025</a:t>
+              <a:t>12/10/2025</a:t>
             </a:fld>
             <a:endParaRPr lang="en-US"/>
           </a:p>
@@ -3021,7 +3021,7 @@
           <a:p>
             <a:fld id="{24188342-571A-6841-AC1D-E620118845AD}" type="datetimeFigureOut">
               <a:rPr lang="en-US" smtClean="0"/>
-              <a:t>12/9/2025</a:t>
+              <a:t>12/10/2025</a:t>
             </a:fld>
             <a:endParaRPr lang="en-US"/>
           </a:p>
@@ -3428,252 +3428,6 @@
       </p:grpSpPr>
       <p:cxnSp>
         <p:nvCxnSpPr>
-          <p:cNvPr id="33" name="Straight Arrow Connector 12">
-            <a:extLst>
-              <a:ext uri="{FF2B5EF4-FFF2-40B4-BE49-F238E27FC236}">
-                <a16:creationId xmlns:a16="http://schemas.microsoft.com/office/drawing/2014/main" id="{9DF0DCD2-CDAD-466C-B2CC-13899D4590F1}"/>
-              </a:ext>
-            </a:extLst>
-          </p:cNvPr>
-          <p:cNvCxnSpPr>
-            <a:cxnSpLocks/>
-            <a:stCxn id="35" idx="3"/>
-            <a:endCxn id="34" idx="1"/>
-          </p:cNvCxnSpPr>
-          <p:nvPr/>
-        </p:nvCxnSpPr>
-        <p:spPr>
-          <a:xfrm flipV="1">
-            <a:off x="1375067" y="2478882"/>
-            <a:ext cx="390871" cy="10398"/>
-          </a:xfrm>
-          <a:prstGeom prst="straightConnector1">
-            <a:avLst/>
-          </a:prstGeom>
-          <a:ln w="47625">
-            <a:solidFill>
-              <a:srgbClr val="859DB0"/>
-            </a:solidFill>
-            <a:tailEnd type="triangle"/>
-          </a:ln>
-        </p:spPr>
-        <p:style>
-          <a:lnRef idx="1">
-            <a:schemeClr val="accent1"/>
-          </a:lnRef>
-          <a:fillRef idx="0">
-            <a:schemeClr val="accent1"/>
-          </a:fillRef>
-          <a:effectRef idx="0">
-            <a:schemeClr val="accent1"/>
-          </a:effectRef>
-          <a:fontRef idx="minor">
-            <a:schemeClr val="tx1"/>
-          </a:fontRef>
-        </p:style>
-      </p:cxnSp>
-      <p:sp>
-        <p:nvSpPr>
-          <p:cNvPr id="34" name="Raute 33">
-            <a:extLst>
-              <a:ext uri="{FF2B5EF4-FFF2-40B4-BE49-F238E27FC236}">
-                <a16:creationId xmlns:a16="http://schemas.microsoft.com/office/drawing/2014/main" id="{8A8BA609-D66F-4932-9FAA-8F2262F1E5D6}"/>
-              </a:ext>
-            </a:extLst>
-          </p:cNvPr>
-          <p:cNvSpPr/>
-          <p:nvPr/>
-        </p:nvSpPr>
-        <p:spPr>
-          <a:xfrm>
-            <a:off x="1765938" y="2033758"/>
-            <a:ext cx="2036127" cy="890250"/>
-          </a:xfrm>
-          <a:prstGeom prst="diamond">
-            <a:avLst/>
-          </a:prstGeom>
-          <a:solidFill>
-            <a:schemeClr val="bg1"/>
-          </a:solidFill>
-        </p:spPr>
-        <p:style>
-          <a:lnRef idx="2">
-            <a:schemeClr val="accent1">
-              <a:shade val="50000"/>
-            </a:schemeClr>
-          </a:lnRef>
-          <a:fillRef idx="1">
-            <a:schemeClr val="accent1"/>
-          </a:fillRef>
-          <a:effectRef idx="0">
-            <a:schemeClr val="accent1"/>
-          </a:effectRef>
-          <a:fontRef idx="minor">
-            <a:schemeClr val="lt1"/>
-          </a:fontRef>
-        </p:style>
-        <p:txBody>
-          <a:bodyPr rtlCol="0" anchor="ctr"/>
-          <a:lstStyle/>
-          <a:p>
-            <a:pPr algn="ctr"/>
-            <a:r>
-              <a:rPr lang="en-US" sz="1400" dirty="0">
-                <a:solidFill>
-                  <a:schemeClr val="tx1"/>
-                </a:solidFill>
-                <a:latin typeface="Times New Roman" panose="02020603050405020304" pitchFamily="18" charset="0"/>
-                <a:cs typeface="Times New Roman" panose="02020603050405020304" pitchFamily="18" charset="0"/>
-              </a:rPr>
-              <a:t>Random assignment</a:t>
-            </a:r>
-          </a:p>
-        </p:txBody>
-      </p:sp>
-      <p:sp>
-        <p:nvSpPr>
-          <p:cNvPr id="35" name="Rechteck: abgerundete Ecken 34">
-            <a:extLst>
-              <a:ext uri="{FF2B5EF4-FFF2-40B4-BE49-F238E27FC236}">
-                <a16:creationId xmlns:a16="http://schemas.microsoft.com/office/drawing/2014/main" id="{F6BA69C5-48B5-4595-9B37-11B2402D91D1}"/>
-              </a:ext>
-            </a:extLst>
-          </p:cNvPr>
-          <p:cNvSpPr/>
-          <p:nvPr/>
-        </p:nvSpPr>
-        <p:spPr>
-          <a:xfrm>
-            <a:off x="228504" y="2131814"/>
-            <a:ext cx="1146558" cy="714937"/>
-          </a:xfrm>
-          <a:prstGeom prst="roundRect">
-            <a:avLst/>
-          </a:prstGeom>
-        </p:spPr>
-        <p:style>
-          <a:lnRef idx="2">
-            <a:schemeClr val="dk1"/>
-          </a:lnRef>
-          <a:fillRef idx="1">
-            <a:schemeClr val="lt1"/>
-          </a:fillRef>
-          <a:effectRef idx="0">
-            <a:schemeClr val="dk1"/>
-          </a:effectRef>
-          <a:fontRef idx="minor">
-            <a:schemeClr val="dk1"/>
-          </a:fontRef>
-        </p:style>
-        <p:txBody>
-          <a:bodyPr rtlCol="0" anchor="ctr"/>
-          <a:lstStyle/>
-          <a:p>
-            <a:pPr algn="ctr"/>
-            <a:r>
-              <a:rPr lang="en-US" sz="1400" dirty="0">
-                <a:latin typeface="Times New Roman" panose="02020603050405020304" pitchFamily="18" charset="0"/>
-                <a:cs typeface="Times New Roman" panose="02020603050405020304" pitchFamily="18" charset="0"/>
-              </a:rPr>
-              <a:t>Welcome and consent</a:t>
-            </a:r>
-          </a:p>
-        </p:txBody>
-      </p:sp>
-      <p:cxnSp>
-        <p:nvCxnSpPr>
-          <p:cNvPr id="38" name="Straight Arrow Connector 12">
-            <a:extLst>
-              <a:ext uri="{FF2B5EF4-FFF2-40B4-BE49-F238E27FC236}">
-                <a16:creationId xmlns:a16="http://schemas.microsoft.com/office/drawing/2014/main" id="{72EDD3F7-5854-45F4-8F16-8D762C243E19}"/>
-              </a:ext>
-            </a:extLst>
-          </p:cNvPr>
-          <p:cNvCxnSpPr>
-            <a:cxnSpLocks/>
-            <a:stCxn id="34" idx="3"/>
-            <a:endCxn id="42" idx="1"/>
-          </p:cNvCxnSpPr>
-          <p:nvPr/>
-        </p:nvCxnSpPr>
-        <p:spPr>
-          <a:xfrm>
-            <a:off x="3802064" y="2478882"/>
-            <a:ext cx="604781" cy="0"/>
-          </a:xfrm>
-          <a:prstGeom prst="straightConnector1">
-            <a:avLst/>
-          </a:prstGeom>
-          <a:ln w="47625">
-            <a:solidFill>
-              <a:srgbClr val="859DB0"/>
-            </a:solidFill>
-            <a:tailEnd type="triangle"/>
-          </a:ln>
-        </p:spPr>
-        <p:style>
-          <a:lnRef idx="1">
-            <a:schemeClr val="accent1"/>
-          </a:lnRef>
-          <a:fillRef idx="0">
-            <a:schemeClr val="accent1"/>
-          </a:fillRef>
-          <a:effectRef idx="0">
-            <a:schemeClr val="accent1"/>
-          </a:effectRef>
-          <a:fontRef idx="minor">
-            <a:schemeClr val="tx1"/>
-          </a:fontRef>
-        </p:style>
-      </p:cxnSp>
-      <p:cxnSp>
-        <p:nvCxnSpPr>
-          <p:cNvPr id="39" name="Straight Arrow Connector 12">
-            <a:extLst>
-              <a:ext uri="{FF2B5EF4-FFF2-40B4-BE49-F238E27FC236}">
-                <a16:creationId xmlns:a16="http://schemas.microsoft.com/office/drawing/2014/main" id="{B93A1DBE-5413-4CA1-81A6-48D98EC254ED}"/>
-              </a:ext>
-            </a:extLst>
-          </p:cNvPr>
-          <p:cNvCxnSpPr>
-            <a:cxnSpLocks/>
-            <a:stCxn id="34" idx="3"/>
-            <a:endCxn id="41" idx="1"/>
-          </p:cNvCxnSpPr>
-          <p:nvPr/>
-        </p:nvCxnSpPr>
-        <p:spPr>
-          <a:xfrm flipV="1">
-            <a:off x="3802065" y="1625777"/>
-            <a:ext cx="601031" cy="853107"/>
-          </a:xfrm>
-          <a:prstGeom prst="straightConnector1">
-            <a:avLst/>
-          </a:prstGeom>
-          <a:ln w="47625">
-            <a:solidFill>
-              <a:srgbClr val="859DB0"/>
-            </a:solidFill>
-            <a:tailEnd type="triangle"/>
-          </a:ln>
-        </p:spPr>
-        <p:style>
-          <a:lnRef idx="1">
-            <a:schemeClr val="accent1"/>
-          </a:lnRef>
-          <a:fillRef idx="0">
-            <a:schemeClr val="accent1"/>
-          </a:fillRef>
-          <a:effectRef idx="0">
-            <a:schemeClr val="accent1"/>
-          </a:effectRef>
-          <a:fontRef idx="minor">
-            <a:schemeClr val="tx1"/>
-          </a:fontRef>
-        </p:style>
-      </p:cxnSp>
-      <p:cxnSp>
-        <p:nvCxnSpPr>
           <p:cNvPr id="43" name="Straight Arrow Connector 12">
             <a:extLst>
               <a:ext uri="{FF2B5EF4-FFF2-40B4-BE49-F238E27FC236}">
@@ -3684,13 +3438,14 @@
           <p:cNvCxnSpPr>
             <a:cxnSpLocks/>
             <a:stCxn id="41" idx="3"/>
+            <a:endCxn id="23" idx="2"/>
           </p:cNvCxnSpPr>
           <p:nvPr/>
         </p:nvCxnSpPr>
         <p:spPr>
           <a:xfrm flipV="1">
-            <a:off x="5639381" y="1603117"/>
-            <a:ext cx="1962369" cy="22658"/>
+            <a:off x="2281196" y="863615"/>
+            <a:ext cx="2727643" cy="225320"/>
           </a:xfrm>
           <a:prstGeom prst="straightConnector1">
             <a:avLst/>
@@ -3729,13 +3484,14 @@
           <p:cNvCxnSpPr>
             <a:cxnSpLocks/>
             <a:stCxn id="42" idx="3"/>
+            <a:endCxn id="46" idx="2"/>
           </p:cNvCxnSpPr>
           <p:nvPr/>
         </p:nvCxnSpPr>
         <p:spPr>
-          <a:xfrm>
-            <a:off x="5643131" y="2478885"/>
-            <a:ext cx="1958619" cy="1393"/>
+          <a:xfrm flipV="1">
+            <a:off x="2281197" y="2541219"/>
+            <a:ext cx="2709566" cy="474171"/>
           </a:xfrm>
           <a:prstGeom prst="straightConnector1">
             <a:avLst/>
@@ -3778,8 +3534,8 @@
         </p:nvSpPr>
         <p:spPr>
           <a:xfrm>
-            <a:off x="9913218" y="2099724"/>
-            <a:ext cx="1296693" cy="715513"/>
+            <a:off x="9744637" y="819700"/>
+            <a:ext cx="1784485" cy="961080"/>
           </a:xfrm>
           <a:prstGeom prst="roundRect">
             <a:avLst/>
@@ -3805,7 +3561,7 @@
         </p:style>
         <p:txBody>
           <a:bodyPr vert="horz" lIns="91440" tIns="45720" rIns="91440" bIns="45720" rtlCol="0" anchor="ctr">
-            <a:normAutofit lnSpcReduction="10000"/>
+            <a:normAutofit/>
           </a:bodyPr>
           <a:lstStyle>
             <a:lvl1pPr marL="228600" indent="-228600" algn="l" defTabSz="914400" rtl="0" eaLnBrk="1" latinLnBrk="0" hangingPunct="1">
@@ -3976,92 +3732,17 @@
               <a:buNone/>
             </a:pPr>
             <a:r>
-              <a:rPr lang="en-US" sz="1400" dirty="0">
-                <a:latin typeface="Times New Roman" panose="02020603050405020304" pitchFamily="18" charset="0"/>
-                <a:cs typeface="Times New Roman" panose="02020603050405020304" pitchFamily="18" charset="0"/>
+              <a:rPr lang="en-US" sz="1800" dirty="0">
+                <a:solidFill>
+                  <a:schemeClr val="tx1"/>
+                </a:solidFill>
               </a:rPr>
-              <a:t>Socio-Demographic Questions</a:t>
-            </a:r>
-          </a:p>
-        </p:txBody>
-      </p:sp>
-      <p:cxnSp>
-        <p:nvCxnSpPr>
-          <p:cNvPr id="48" name="Straight Arrow Connector 12">
-            <a:extLst>
-              <a:ext uri="{FF2B5EF4-FFF2-40B4-BE49-F238E27FC236}">
-                <a16:creationId xmlns:a16="http://schemas.microsoft.com/office/drawing/2014/main" id="{DB38EAEA-03C1-4808-BFCD-D28ECA9FAEEF}"/>
-              </a:ext>
-            </a:extLst>
-          </p:cNvPr>
-          <p:cNvCxnSpPr>
-            <a:cxnSpLocks/>
-            <a:stCxn id="23" idx="6"/>
-          </p:cNvCxnSpPr>
-          <p:nvPr/>
-        </p:nvCxnSpPr>
-        <p:spPr>
-          <a:xfrm>
-            <a:off x="9326223" y="1984776"/>
-            <a:ext cx="586995" cy="486191"/>
-          </a:xfrm>
-          <a:prstGeom prst="straightConnector1">
-            <a:avLst/>
-          </a:prstGeom>
-          <a:ln w="47625">
-            <a:solidFill>
-              <a:srgbClr val="859DB0"/>
-            </a:solidFill>
-            <a:tailEnd type="triangle"/>
-          </a:ln>
-        </p:spPr>
-        <p:style>
-          <a:lnRef idx="1">
-            <a:schemeClr val="accent1"/>
-          </a:lnRef>
-          <a:fillRef idx="0">
-            <a:schemeClr val="accent1"/>
-          </a:fillRef>
-          <a:effectRef idx="0">
-            <a:schemeClr val="accent1"/>
-          </a:effectRef>
-          <a:fontRef idx="minor">
-            <a:schemeClr val="tx1"/>
-          </a:fontRef>
-        </p:style>
-      </p:cxnSp>
-      <p:sp>
-        <p:nvSpPr>
-          <p:cNvPr id="96" name="Textfeld 95">
-            <a:extLst>
-              <a:ext uri="{FF2B5EF4-FFF2-40B4-BE49-F238E27FC236}">
-                <a16:creationId xmlns:a16="http://schemas.microsoft.com/office/drawing/2014/main" id="{4607B5C9-F04C-45F5-90D5-6AC84A3A04FA}"/>
-              </a:ext>
-            </a:extLst>
-          </p:cNvPr>
-          <p:cNvSpPr txBox="1"/>
-          <p:nvPr/>
-        </p:nvSpPr>
-        <p:spPr>
-          <a:xfrm>
-            <a:off x="5647402" y="1224163"/>
-            <a:ext cx="800219" cy="369332"/>
-          </a:xfrm>
-          <a:prstGeom prst="rect">
-            <a:avLst/>
-          </a:prstGeom>
-          <a:noFill/>
-        </p:spPr>
-        <p:txBody>
-          <a:bodyPr wrap="none" rtlCol="0">
-            <a:spAutoFit/>
-          </a:bodyPr>
-          <a:lstStyle/>
-          <a:p>
-            <a:r>
-              <a:rPr lang="en-US" dirty="0"/>
-              <a:t>N=194</a:t>
-            </a:r>
+              <a:t>Perceived Bio-Inspiration</a:t>
+            </a:r>
+            <a:endParaRPr lang="en-US" sz="1800" dirty="0">
+              <a:latin typeface="Times New Roman" panose="02020603050405020304" pitchFamily="18" charset="0"/>
+              <a:cs typeface="Times New Roman" panose="02020603050405020304" pitchFamily="18" charset="0"/>
+            </a:endParaRPr>
           </a:p>
         </p:txBody>
       </p:sp>
@@ -4079,8 +3760,8 @@
         </p:nvSpPr>
         <p:spPr>
           <a:xfrm>
-            <a:off x="4403094" y="1268308"/>
-            <a:ext cx="1236286" cy="714937"/>
+            <a:off x="496711" y="610636"/>
+            <a:ext cx="1784485" cy="956598"/>
           </a:xfrm>
           <a:prstGeom prst="roundRect">
             <a:avLst/>
@@ -4112,7 +3793,7 @@
           <a:p>
             <a:pPr algn="ctr"/>
             <a:r>
-              <a:rPr lang="en-US" sz="1400" dirty="0">
+              <a:rPr lang="en-US" sz="2000" dirty="0">
                 <a:latin typeface="Times New Roman" panose="02020603050405020304" pitchFamily="18" charset="0"/>
                 <a:cs typeface="Times New Roman" panose="02020603050405020304" pitchFamily="18" charset="0"/>
               </a:rPr>
@@ -4135,8 +3816,8 @@
         </p:nvSpPr>
         <p:spPr>
           <a:xfrm>
-            <a:off x="4406844" y="2121415"/>
-            <a:ext cx="1236286" cy="714937"/>
+            <a:off x="509135" y="2541219"/>
+            <a:ext cx="1772062" cy="948342"/>
           </a:xfrm>
           <a:prstGeom prst="roundRect">
             <a:avLst/>
@@ -4168,7 +3849,7 @@
           <a:p>
             <a:pPr algn="ctr"/>
             <a:r>
-              <a:rPr lang="en-US" sz="1400" dirty="0">
+              <a:rPr lang="en-US" sz="2000" dirty="0">
                 <a:latin typeface="Times New Roman" panose="02020603050405020304" pitchFamily="18" charset="0"/>
                 <a:cs typeface="Times New Roman" panose="02020603050405020304" pitchFamily="18" charset="0"/>
               </a:rPr>
@@ -4177,108 +3858,6 @@
           </a:p>
         </p:txBody>
       </p:sp>
-      <p:sp>
-        <p:nvSpPr>
-          <p:cNvPr id="45" name="Rechteck: abgerundete Ecken 44">
-            <a:extLst>
-              <a:ext uri="{FF2B5EF4-FFF2-40B4-BE49-F238E27FC236}">
-                <a16:creationId xmlns:a16="http://schemas.microsoft.com/office/drawing/2014/main" id="{59512481-81D0-4C69-805F-2FACAA77611A}"/>
-              </a:ext>
-            </a:extLst>
-          </p:cNvPr>
-          <p:cNvSpPr/>
-          <p:nvPr/>
-        </p:nvSpPr>
-        <p:spPr>
-          <a:xfrm>
-            <a:off x="4406844" y="2974522"/>
-            <a:ext cx="1236286" cy="714937"/>
-          </a:xfrm>
-          <a:prstGeom prst="roundRect">
-            <a:avLst/>
-          </a:prstGeom>
-          <a:solidFill>
-            <a:schemeClr val="accent3">
-              <a:lumMod val="20000"/>
-              <a:lumOff val="80000"/>
-            </a:schemeClr>
-          </a:solidFill>
-        </p:spPr>
-        <p:style>
-          <a:lnRef idx="2">
-            <a:schemeClr val="dk1"/>
-          </a:lnRef>
-          <a:fillRef idx="1">
-            <a:schemeClr val="lt1"/>
-          </a:fillRef>
-          <a:effectRef idx="0">
-            <a:schemeClr val="dk1"/>
-          </a:effectRef>
-          <a:fontRef idx="minor">
-            <a:schemeClr val="dk1"/>
-          </a:fontRef>
-        </p:style>
-        <p:txBody>
-          <a:bodyPr rtlCol="0" anchor="ctr"/>
-          <a:lstStyle/>
-          <a:p>
-            <a:pPr algn="ctr"/>
-            <a:r>
-              <a:rPr lang="en-US" sz="1400" dirty="0">
-                <a:latin typeface="Times New Roman" panose="02020603050405020304" pitchFamily="18" charset="0"/>
-                <a:cs typeface="Times New Roman" panose="02020603050405020304" pitchFamily="18" charset="0"/>
-              </a:rPr>
-              <a:t>Neutral Framing</a:t>
-            </a:r>
-          </a:p>
-        </p:txBody>
-      </p:sp>
-      <p:cxnSp>
-        <p:nvCxnSpPr>
-          <p:cNvPr id="47" name="Straight Arrow Connector 12">
-            <a:extLst>
-              <a:ext uri="{FF2B5EF4-FFF2-40B4-BE49-F238E27FC236}">
-                <a16:creationId xmlns:a16="http://schemas.microsoft.com/office/drawing/2014/main" id="{538E88A4-F8B0-4AB9-B912-D0FB3683E9A7}"/>
-              </a:ext>
-            </a:extLst>
-          </p:cNvPr>
-          <p:cNvCxnSpPr>
-            <a:cxnSpLocks/>
-            <a:stCxn id="34" idx="3"/>
-            <a:endCxn id="45" idx="1"/>
-          </p:cNvCxnSpPr>
-          <p:nvPr/>
-        </p:nvCxnSpPr>
-        <p:spPr>
-          <a:xfrm>
-            <a:off x="3802064" y="2478884"/>
-            <a:ext cx="604781" cy="853107"/>
-          </a:xfrm>
-          <a:prstGeom prst="straightConnector1">
-            <a:avLst/>
-          </a:prstGeom>
-          <a:ln w="47625">
-            <a:solidFill>
-              <a:srgbClr val="859DB0"/>
-            </a:solidFill>
-            <a:tailEnd type="triangle"/>
-          </a:ln>
-        </p:spPr>
-        <p:style>
-          <a:lnRef idx="1">
-            <a:schemeClr val="accent1"/>
-          </a:lnRef>
-          <a:fillRef idx="0">
-            <a:schemeClr val="accent1"/>
-          </a:fillRef>
-          <a:effectRef idx="0">
-            <a:schemeClr val="accent1"/>
-          </a:effectRef>
-          <a:fontRef idx="minor">
-            <a:schemeClr val="tx1"/>
-          </a:fontRef>
-        </p:style>
-      </p:cxnSp>
       <p:sp>
         <p:nvSpPr>
           <p:cNvPr id="50" name="Rechteck: abgerundete Ecken 4">
@@ -4295,8 +3874,8 @@
         </p:nvSpPr>
         <p:spPr>
           <a:xfrm>
-            <a:off x="3467102" y="905470"/>
-            <a:ext cx="1724473" cy="263105"/>
+            <a:off x="161615" y="146396"/>
+            <a:ext cx="2378841" cy="263105"/>
           </a:xfrm>
           <a:prstGeom prst="roundRect">
             <a:avLst/>
@@ -4501,234 +4080,7 @@
                 <a:latin typeface="Times New Roman" panose="02020603050405020304" pitchFamily="18" charset="0"/>
                 <a:cs typeface="Times New Roman" panose="02020603050405020304" pitchFamily="18" charset="0"/>
               </a:rPr>
-              <a:t>Framing Conditions:</a:t>
-            </a:r>
-          </a:p>
-        </p:txBody>
-      </p:sp>
-      <p:sp>
-        <p:nvSpPr>
-          <p:cNvPr id="51" name="Rechteck: abgerundete Ecken 4">
-            <a:extLst>
-              <a:ext uri="{FF2B5EF4-FFF2-40B4-BE49-F238E27FC236}">
-                <a16:creationId xmlns:a16="http://schemas.microsoft.com/office/drawing/2014/main" id="{4A2BEF98-1EDA-4A4C-94A9-D3975BCFE003}"/>
-              </a:ext>
-            </a:extLst>
-          </p:cNvPr>
-          <p:cNvSpPr txBox="1">
-            <a:spLocks/>
-          </p:cNvSpPr>
-          <p:nvPr/>
-        </p:nvSpPr>
-        <p:spPr>
-          <a:xfrm>
-            <a:off x="7227702" y="905469"/>
-            <a:ext cx="1724473" cy="263105"/>
-          </a:xfrm>
-          <a:prstGeom prst="roundRect">
-            <a:avLst/>
-          </a:prstGeom>
-          <a:solidFill>
-            <a:schemeClr val="bg2">
-              <a:lumMod val="50000"/>
-            </a:schemeClr>
-          </a:solidFill>
-        </p:spPr>
-        <p:style>
-          <a:lnRef idx="2">
-            <a:schemeClr val="dk1"/>
-          </a:lnRef>
-          <a:fillRef idx="1">
-            <a:schemeClr val="lt1"/>
-          </a:fillRef>
-          <a:effectRef idx="0">
-            <a:schemeClr val="dk1"/>
-          </a:effectRef>
-          <a:fontRef idx="minor">
-            <a:schemeClr val="dk1"/>
-          </a:fontRef>
-        </p:style>
-        <p:txBody>
-          <a:bodyPr vert="horz" lIns="91440" tIns="45720" rIns="91440" bIns="45720" rtlCol="0" anchor="ctr">
-            <a:normAutofit fontScale="85000" lnSpcReduction="20000"/>
-          </a:bodyPr>
-          <a:lstStyle>
-            <a:lvl1pPr marL="228600" indent="-228600" algn="l" defTabSz="914400" rtl="0" eaLnBrk="1" latinLnBrk="0" hangingPunct="1">
-              <a:lnSpc>
-                <a:spcPct val="90000"/>
-              </a:lnSpc>
-              <a:spcBef>
-                <a:spcPts val="1000"/>
-              </a:spcBef>
-              <a:buFont typeface="Arial" panose="020B0604020202020204" pitchFamily="34" charset="0"/>
-              <a:buChar char="•"/>
-              <a:defRPr sz="2800" kern="1200">
-                <a:solidFill>
-                  <a:schemeClr val="dk1"/>
-                </a:solidFill>
-                <a:latin typeface="+mn-lt"/>
-                <a:ea typeface="+mn-ea"/>
-                <a:cs typeface="+mn-cs"/>
-              </a:defRPr>
-            </a:lvl1pPr>
-            <a:lvl2pPr marL="685800" indent="-228600" algn="l" defTabSz="914400" rtl="0" eaLnBrk="1" latinLnBrk="0" hangingPunct="1">
-              <a:lnSpc>
-                <a:spcPct val="90000"/>
-              </a:lnSpc>
-              <a:spcBef>
-                <a:spcPts val="500"/>
-              </a:spcBef>
-              <a:buFont typeface="Arial" panose="020B0604020202020204" pitchFamily="34" charset="0"/>
-              <a:buChar char="•"/>
-              <a:defRPr sz="2400" kern="1200">
-                <a:solidFill>
-                  <a:schemeClr val="dk1"/>
-                </a:solidFill>
-                <a:latin typeface="+mn-lt"/>
-                <a:ea typeface="+mn-ea"/>
-                <a:cs typeface="+mn-cs"/>
-              </a:defRPr>
-            </a:lvl2pPr>
-            <a:lvl3pPr marL="1143000" indent="-228600" algn="l" defTabSz="914400" rtl="0" eaLnBrk="1" latinLnBrk="0" hangingPunct="1">
-              <a:lnSpc>
-                <a:spcPct val="90000"/>
-              </a:lnSpc>
-              <a:spcBef>
-                <a:spcPts val="500"/>
-              </a:spcBef>
-              <a:buFont typeface="Arial" panose="020B0604020202020204" pitchFamily="34" charset="0"/>
-              <a:buChar char="•"/>
-              <a:defRPr sz="2000" kern="1200">
-                <a:solidFill>
-                  <a:schemeClr val="dk1"/>
-                </a:solidFill>
-                <a:latin typeface="+mn-lt"/>
-                <a:ea typeface="+mn-ea"/>
-                <a:cs typeface="+mn-cs"/>
-              </a:defRPr>
-            </a:lvl3pPr>
-            <a:lvl4pPr marL="1600200" indent="-228600" algn="l" defTabSz="914400" rtl="0" eaLnBrk="1" latinLnBrk="0" hangingPunct="1">
-              <a:lnSpc>
-                <a:spcPct val="90000"/>
-              </a:lnSpc>
-              <a:spcBef>
-                <a:spcPts val="500"/>
-              </a:spcBef>
-              <a:buFont typeface="Arial" panose="020B0604020202020204" pitchFamily="34" charset="0"/>
-              <a:buChar char="•"/>
-              <a:defRPr sz="1800" kern="1200">
-                <a:solidFill>
-                  <a:schemeClr val="dk1"/>
-                </a:solidFill>
-                <a:latin typeface="+mn-lt"/>
-                <a:ea typeface="+mn-ea"/>
-                <a:cs typeface="+mn-cs"/>
-              </a:defRPr>
-            </a:lvl4pPr>
-            <a:lvl5pPr marL="2057400" indent="-228600" algn="l" defTabSz="914400" rtl="0" eaLnBrk="1" latinLnBrk="0" hangingPunct="1">
-              <a:lnSpc>
-                <a:spcPct val="90000"/>
-              </a:lnSpc>
-              <a:spcBef>
-                <a:spcPts val="500"/>
-              </a:spcBef>
-              <a:buFont typeface="Arial" panose="020B0604020202020204" pitchFamily="34" charset="0"/>
-              <a:buChar char="•"/>
-              <a:defRPr sz="1800" kern="1200">
-                <a:solidFill>
-                  <a:schemeClr val="dk1"/>
-                </a:solidFill>
-                <a:latin typeface="+mn-lt"/>
-                <a:ea typeface="+mn-ea"/>
-                <a:cs typeface="+mn-cs"/>
-              </a:defRPr>
-            </a:lvl5pPr>
-            <a:lvl6pPr marL="2514600" indent="-228600" algn="l" defTabSz="914400" rtl="0" eaLnBrk="1" latinLnBrk="0" hangingPunct="1">
-              <a:lnSpc>
-                <a:spcPct val="90000"/>
-              </a:lnSpc>
-              <a:spcBef>
-                <a:spcPts val="500"/>
-              </a:spcBef>
-              <a:buFont typeface="Arial" panose="020B0604020202020204" pitchFamily="34" charset="0"/>
-              <a:buChar char="•"/>
-              <a:defRPr sz="1800" kern="1200">
-                <a:solidFill>
-                  <a:schemeClr val="dk1"/>
-                </a:solidFill>
-                <a:latin typeface="+mn-lt"/>
-                <a:ea typeface="+mn-ea"/>
-                <a:cs typeface="+mn-cs"/>
-              </a:defRPr>
-            </a:lvl6pPr>
-            <a:lvl7pPr marL="2971800" indent="-228600" algn="l" defTabSz="914400" rtl="0" eaLnBrk="1" latinLnBrk="0" hangingPunct="1">
-              <a:lnSpc>
-                <a:spcPct val="90000"/>
-              </a:lnSpc>
-              <a:spcBef>
-                <a:spcPts val="500"/>
-              </a:spcBef>
-              <a:buFont typeface="Arial" panose="020B0604020202020204" pitchFamily="34" charset="0"/>
-              <a:buChar char="•"/>
-              <a:defRPr sz="1800" kern="1200">
-                <a:solidFill>
-                  <a:schemeClr val="dk1"/>
-                </a:solidFill>
-                <a:latin typeface="+mn-lt"/>
-                <a:ea typeface="+mn-ea"/>
-                <a:cs typeface="+mn-cs"/>
-              </a:defRPr>
-            </a:lvl7pPr>
-            <a:lvl8pPr marL="3429000" indent="-228600" algn="l" defTabSz="914400" rtl="0" eaLnBrk="1" latinLnBrk="0" hangingPunct="1">
-              <a:lnSpc>
-                <a:spcPct val="90000"/>
-              </a:lnSpc>
-              <a:spcBef>
-                <a:spcPts val="500"/>
-              </a:spcBef>
-              <a:buFont typeface="Arial" panose="020B0604020202020204" pitchFamily="34" charset="0"/>
-              <a:buChar char="•"/>
-              <a:defRPr sz="1800" kern="1200">
-                <a:solidFill>
-                  <a:schemeClr val="dk1"/>
-                </a:solidFill>
-                <a:latin typeface="+mn-lt"/>
-                <a:ea typeface="+mn-ea"/>
-                <a:cs typeface="+mn-cs"/>
-              </a:defRPr>
-            </a:lvl8pPr>
-            <a:lvl9pPr marL="3886200" indent="-228600" algn="l" defTabSz="914400" rtl="0" eaLnBrk="1" latinLnBrk="0" hangingPunct="1">
-              <a:lnSpc>
-                <a:spcPct val="90000"/>
-              </a:lnSpc>
-              <a:spcBef>
-                <a:spcPts val="500"/>
-              </a:spcBef>
-              <a:buFont typeface="Arial" panose="020B0604020202020204" pitchFamily="34" charset="0"/>
-              <a:buChar char="•"/>
-              <a:defRPr sz="1800" kern="1200">
-                <a:solidFill>
-                  <a:schemeClr val="dk1"/>
-                </a:solidFill>
-                <a:latin typeface="+mn-lt"/>
-                <a:ea typeface="+mn-ea"/>
-                <a:cs typeface="+mn-cs"/>
-              </a:defRPr>
-            </a:lvl9pPr>
-          </a:lstStyle>
-          <a:p>
-            <a:pPr marL="0" indent="0" algn="ctr">
-              <a:buNone/>
-            </a:pPr>
-            <a:r>
-              <a:rPr lang="en-US" sz="1400" b="1" dirty="0">
-                <a:solidFill>
-                  <a:schemeClr val="bg1"/>
-                </a:solidFill>
-                <a:latin typeface="Times New Roman" panose="02020603050405020304" pitchFamily="18" charset="0"/>
-                <a:cs typeface="Times New Roman" panose="02020603050405020304" pitchFamily="18" charset="0"/>
-              </a:rPr>
-              <a:t>Survey Scales:</a:t>
+              <a:t>Framing:</a:t>
             </a:r>
           </a:p>
         </p:txBody>
@@ -4747,8 +4099,8 @@
         </p:nvSpPr>
         <p:spPr>
           <a:xfrm>
-            <a:off x="7601750" y="1558222"/>
-            <a:ext cx="1724473" cy="853107"/>
+            <a:off x="5008839" y="493187"/>
+            <a:ext cx="1724473" cy="740855"/>
           </a:xfrm>
           <a:prstGeom prst="ellipse">
             <a:avLst/>
@@ -4792,17 +4144,472 @@
                   <a:schemeClr val="tx1"/>
                 </a:solidFill>
               </a:rPr>
-              <a:t>Perceived Bio-Inspiration (12# Items)</a:t>
-            </a:r>
-          </a:p>
-        </p:txBody>
-      </p:sp>
-      <p:sp>
-        <p:nvSpPr>
-          <p:cNvPr id="53" name="Ellipse 52">
+              <a:t>Naturalness</a:t>
+            </a:r>
+          </a:p>
+        </p:txBody>
+      </p:sp>
+      <p:sp>
+        <p:nvSpPr>
+          <p:cNvPr id="31" name="Rechteck: abgerundete Ecken 4">
             <a:extLst>
               <a:ext uri="{FF2B5EF4-FFF2-40B4-BE49-F238E27FC236}">
-                <a16:creationId xmlns:a16="http://schemas.microsoft.com/office/drawing/2014/main" id="{118F2233-5D81-43AB-93CD-4B0FAC1DA7F4}"/>
+                <a16:creationId xmlns:a16="http://schemas.microsoft.com/office/drawing/2014/main" id="{182D1DB2-0E86-4136-AFF5-4ED11B92F6BA}"/>
+              </a:ext>
+            </a:extLst>
+          </p:cNvPr>
+          <p:cNvSpPr txBox="1">
+            <a:spLocks/>
+          </p:cNvSpPr>
+          <p:nvPr/>
+        </p:nvSpPr>
+        <p:spPr>
+          <a:xfrm>
+            <a:off x="9744638" y="2497933"/>
+            <a:ext cx="1784485" cy="961080"/>
+          </a:xfrm>
+          <a:prstGeom prst="roundRect">
+            <a:avLst/>
+          </a:prstGeom>
+          <a:noFill/>
+          <a:ln>
+            <a:prstDash val="dash"/>
+          </a:ln>
+        </p:spPr>
+        <p:style>
+          <a:lnRef idx="2">
+            <a:schemeClr val="dk1"/>
+          </a:lnRef>
+          <a:fillRef idx="1">
+            <a:schemeClr val="lt1"/>
+          </a:fillRef>
+          <a:effectRef idx="0">
+            <a:schemeClr val="dk1"/>
+          </a:effectRef>
+          <a:fontRef idx="minor">
+            <a:schemeClr val="dk1"/>
+          </a:fontRef>
+        </p:style>
+        <p:txBody>
+          <a:bodyPr vert="horz" lIns="91440" tIns="45720" rIns="91440" bIns="45720" rtlCol="0" anchor="ctr">
+            <a:normAutofit/>
+          </a:bodyPr>
+          <a:lstStyle>
+            <a:lvl1pPr marL="228600" indent="-228600" algn="l" defTabSz="914400" rtl="0" eaLnBrk="1" latinLnBrk="0" hangingPunct="1">
+              <a:lnSpc>
+                <a:spcPct val="90000"/>
+              </a:lnSpc>
+              <a:spcBef>
+                <a:spcPts val="1000"/>
+              </a:spcBef>
+              <a:buFont typeface="Arial" panose="020B0604020202020204" pitchFamily="34" charset="0"/>
+              <a:buChar char="•"/>
+              <a:defRPr sz="2800" kern="1200">
+                <a:solidFill>
+                  <a:schemeClr val="dk1"/>
+                </a:solidFill>
+                <a:latin typeface="+mn-lt"/>
+                <a:ea typeface="+mn-ea"/>
+                <a:cs typeface="+mn-cs"/>
+              </a:defRPr>
+            </a:lvl1pPr>
+            <a:lvl2pPr marL="685800" indent="-228600" algn="l" defTabSz="914400" rtl="0" eaLnBrk="1" latinLnBrk="0" hangingPunct="1">
+              <a:lnSpc>
+                <a:spcPct val="90000"/>
+              </a:lnSpc>
+              <a:spcBef>
+                <a:spcPts val="500"/>
+              </a:spcBef>
+              <a:buFont typeface="Arial" panose="020B0604020202020204" pitchFamily="34" charset="0"/>
+              <a:buChar char="•"/>
+              <a:defRPr sz="2400" kern="1200">
+                <a:solidFill>
+                  <a:schemeClr val="dk1"/>
+                </a:solidFill>
+                <a:latin typeface="+mn-lt"/>
+                <a:ea typeface="+mn-ea"/>
+                <a:cs typeface="+mn-cs"/>
+              </a:defRPr>
+            </a:lvl2pPr>
+            <a:lvl3pPr marL="1143000" indent="-228600" algn="l" defTabSz="914400" rtl="0" eaLnBrk="1" latinLnBrk="0" hangingPunct="1">
+              <a:lnSpc>
+                <a:spcPct val="90000"/>
+              </a:lnSpc>
+              <a:spcBef>
+                <a:spcPts val="500"/>
+              </a:spcBef>
+              <a:buFont typeface="Arial" panose="020B0604020202020204" pitchFamily="34" charset="0"/>
+              <a:buChar char="•"/>
+              <a:defRPr sz="2000" kern="1200">
+                <a:solidFill>
+                  <a:schemeClr val="dk1"/>
+                </a:solidFill>
+                <a:latin typeface="+mn-lt"/>
+                <a:ea typeface="+mn-ea"/>
+                <a:cs typeface="+mn-cs"/>
+              </a:defRPr>
+            </a:lvl3pPr>
+            <a:lvl4pPr marL="1600200" indent="-228600" algn="l" defTabSz="914400" rtl="0" eaLnBrk="1" latinLnBrk="0" hangingPunct="1">
+              <a:lnSpc>
+                <a:spcPct val="90000"/>
+              </a:lnSpc>
+              <a:spcBef>
+                <a:spcPts val="500"/>
+              </a:spcBef>
+              <a:buFont typeface="Arial" panose="020B0604020202020204" pitchFamily="34" charset="0"/>
+              <a:buChar char="•"/>
+              <a:defRPr sz="1800" kern="1200">
+                <a:solidFill>
+                  <a:schemeClr val="dk1"/>
+                </a:solidFill>
+                <a:latin typeface="+mn-lt"/>
+                <a:ea typeface="+mn-ea"/>
+                <a:cs typeface="+mn-cs"/>
+              </a:defRPr>
+            </a:lvl4pPr>
+            <a:lvl5pPr marL="2057400" indent="-228600" algn="l" defTabSz="914400" rtl="0" eaLnBrk="1" latinLnBrk="0" hangingPunct="1">
+              <a:lnSpc>
+                <a:spcPct val="90000"/>
+              </a:lnSpc>
+              <a:spcBef>
+                <a:spcPts val="500"/>
+              </a:spcBef>
+              <a:buFont typeface="Arial" panose="020B0604020202020204" pitchFamily="34" charset="0"/>
+              <a:buChar char="•"/>
+              <a:defRPr sz="1800" kern="1200">
+                <a:solidFill>
+                  <a:schemeClr val="dk1"/>
+                </a:solidFill>
+                <a:latin typeface="+mn-lt"/>
+                <a:ea typeface="+mn-ea"/>
+                <a:cs typeface="+mn-cs"/>
+              </a:defRPr>
+            </a:lvl5pPr>
+            <a:lvl6pPr marL="2514600" indent="-228600" algn="l" defTabSz="914400" rtl="0" eaLnBrk="1" latinLnBrk="0" hangingPunct="1">
+              <a:lnSpc>
+                <a:spcPct val="90000"/>
+              </a:lnSpc>
+              <a:spcBef>
+                <a:spcPts val="500"/>
+              </a:spcBef>
+              <a:buFont typeface="Arial" panose="020B0604020202020204" pitchFamily="34" charset="0"/>
+              <a:buChar char="•"/>
+              <a:defRPr sz="1800" kern="1200">
+                <a:solidFill>
+                  <a:schemeClr val="dk1"/>
+                </a:solidFill>
+                <a:latin typeface="+mn-lt"/>
+                <a:ea typeface="+mn-ea"/>
+                <a:cs typeface="+mn-cs"/>
+              </a:defRPr>
+            </a:lvl6pPr>
+            <a:lvl7pPr marL="2971800" indent="-228600" algn="l" defTabSz="914400" rtl="0" eaLnBrk="1" latinLnBrk="0" hangingPunct="1">
+              <a:lnSpc>
+                <a:spcPct val="90000"/>
+              </a:lnSpc>
+              <a:spcBef>
+                <a:spcPts val="500"/>
+              </a:spcBef>
+              <a:buFont typeface="Arial" panose="020B0604020202020204" pitchFamily="34" charset="0"/>
+              <a:buChar char="•"/>
+              <a:defRPr sz="1800" kern="1200">
+                <a:solidFill>
+                  <a:schemeClr val="dk1"/>
+                </a:solidFill>
+                <a:latin typeface="+mn-lt"/>
+                <a:ea typeface="+mn-ea"/>
+                <a:cs typeface="+mn-cs"/>
+              </a:defRPr>
+            </a:lvl7pPr>
+            <a:lvl8pPr marL="3429000" indent="-228600" algn="l" defTabSz="914400" rtl="0" eaLnBrk="1" latinLnBrk="0" hangingPunct="1">
+              <a:lnSpc>
+                <a:spcPct val="90000"/>
+              </a:lnSpc>
+              <a:spcBef>
+                <a:spcPts val="500"/>
+              </a:spcBef>
+              <a:buFont typeface="Arial" panose="020B0604020202020204" pitchFamily="34" charset="0"/>
+              <a:buChar char="•"/>
+              <a:defRPr sz="1800" kern="1200">
+                <a:solidFill>
+                  <a:schemeClr val="dk1"/>
+                </a:solidFill>
+                <a:latin typeface="+mn-lt"/>
+                <a:ea typeface="+mn-ea"/>
+                <a:cs typeface="+mn-cs"/>
+              </a:defRPr>
+            </a:lvl8pPr>
+            <a:lvl9pPr marL="3886200" indent="-228600" algn="l" defTabSz="914400" rtl="0" eaLnBrk="1" latinLnBrk="0" hangingPunct="1">
+              <a:lnSpc>
+                <a:spcPct val="90000"/>
+              </a:lnSpc>
+              <a:spcBef>
+                <a:spcPts val="500"/>
+              </a:spcBef>
+              <a:buFont typeface="Arial" panose="020B0604020202020204" pitchFamily="34" charset="0"/>
+              <a:buChar char="•"/>
+              <a:defRPr sz="1800" kern="1200">
+                <a:solidFill>
+                  <a:schemeClr val="dk1"/>
+                </a:solidFill>
+                <a:latin typeface="+mn-lt"/>
+                <a:ea typeface="+mn-ea"/>
+                <a:cs typeface="+mn-cs"/>
+              </a:defRPr>
+            </a:lvl9pPr>
+          </a:lstStyle>
+          <a:p>
+            <a:pPr marL="0" indent="0" algn="ctr">
+              <a:buNone/>
+            </a:pPr>
+            <a:r>
+              <a:rPr lang="en-US" sz="1800" dirty="0">
+                <a:solidFill>
+                  <a:schemeClr val="tx1"/>
+                </a:solidFill>
+              </a:rPr>
+              <a:t>Perceived Sustainability</a:t>
+            </a:r>
+            <a:endParaRPr lang="en-US" sz="1800" dirty="0">
+              <a:latin typeface="Times New Roman" panose="02020603050405020304" pitchFamily="18" charset="0"/>
+              <a:cs typeface="Times New Roman" panose="02020603050405020304" pitchFamily="18" charset="0"/>
+            </a:endParaRPr>
+          </a:p>
+        </p:txBody>
+      </p:sp>
+      <p:sp>
+        <p:nvSpPr>
+          <p:cNvPr id="36" name="Rechteck: abgerundete Ecken 4">
+            <a:extLst>
+              <a:ext uri="{FF2B5EF4-FFF2-40B4-BE49-F238E27FC236}">
+                <a16:creationId xmlns:a16="http://schemas.microsoft.com/office/drawing/2014/main" id="{32CF6D58-E82D-4904-98F2-38903C8F65E3}"/>
+              </a:ext>
+            </a:extLst>
+          </p:cNvPr>
+          <p:cNvSpPr txBox="1">
+            <a:spLocks/>
+          </p:cNvSpPr>
+          <p:nvPr/>
+        </p:nvSpPr>
+        <p:spPr>
+          <a:xfrm>
+            <a:off x="4336395" y="146337"/>
+            <a:ext cx="2378841" cy="263105"/>
+          </a:xfrm>
+          <a:prstGeom prst="roundRect">
+            <a:avLst/>
+          </a:prstGeom>
+          <a:solidFill>
+            <a:schemeClr val="bg2">
+              <a:lumMod val="50000"/>
+            </a:schemeClr>
+          </a:solidFill>
+        </p:spPr>
+        <p:style>
+          <a:lnRef idx="2">
+            <a:schemeClr val="dk1"/>
+          </a:lnRef>
+          <a:fillRef idx="1">
+            <a:schemeClr val="lt1"/>
+          </a:fillRef>
+          <a:effectRef idx="0">
+            <a:schemeClr val="dk1"/>
+          </a:effectRef>
+          <a:fontRef idx="minor">
+            <a:schemeClr val="dk1"/>
+          </a:fontRef>
+        </p:style>
+        <p:txBody>
+          <a:bodyPr vert="horz" lIns="91440" tIns="45720" rIns="91440" bIns="45720" rtlCol="0" anchor="ctr">
+            <a:normAutofit fontScale="85000" lnSpcReduction="20000"/>
+          </a:bodyPr>
+          <a:lstStyle>
+            <a:lvl1pPr marL="228600" indent="-228600" algn="l" defTabSz="914400" rtl="0" eaLnBrk="1" latinLnBrk="0" hangingPunct="1">
+              <a:lnSpc>
+                <a:spcPct val="90000"/>
+              </a:lnSpc>
+              <a:spcBef>
+                <a:spcPts val="1000"/>
+              </a:spcBef>
+              <a:buFont typeface="Arial" panose="020B0604020202020204" pitchFamily="34" charset="0"/>
+              <a:buChar char="•"/>
+              <a:defRPr sz="2800" kern="1200">
+                <a:solidFill>
+                  <a:schemeClr val="dk1"/>
+                </a:solidFill>
+                <a:latin typeface="+mn-lt"/>
+                <a:ea typeface="+mn-ea"/>
+                <a:cs typeface="+mn-cs"/>
+              </a:defRPr>
+            </a:lvl1pPr>
+            <a:lvl2pPr marL="685800" indent="-228600" algn="l" defTabSz="914400" rtl="0" eaLnBrk="1" latinLnBrk="0" hangingPunct="1">
+              <a:lnSpc>
+                <a:spcPct val="90000"/>
+              </a:lnSpc>
+              <a:spcBef>
+                <a:spcPts val="500"/>
+              </a:spcBef>
+              <a:buFont typeface="Arial" panose="020B0604020202020204" pitchFamily="34" charset="0"/>
+              <a:buChar char="•"/>
+              <a:defRPr sz="2400" kern="1200">
+                <a:solidFill>
+                  <a:schemeClr val="dk1"/>
+                </a:solidFill>
+                <a:latin typeface="+mn-lt"/>
+                <a:ea typeface="+mn-ea"/>
+                <a:cs typeface="+mn-cs"/>
+              </a:defRPr>
+            </a:lvl2pPr>
+            <a:lvl3pPr marL="1143000" indent="-228600" algn="l" defTabSz="914400" rtl="0" eaLnBrk="1" latinLnBrk="0" hangingPunct="1">
+              <a:lnSpc>
+                <a:spcPct val="90000"/>
+              </a:lnSpc>
+              <a:spcBef>
+                <a:spcPts val="500"/>
+              </a:spcBef>
+              <a:buFont typeface="Arial" panose="020B0604020202020204" pitchFamily="34" charset="0"/>
+              <a:buChar char="•"/>
+              <a:defRPr sz="2000" kern="1200">
+                <a:solidFill>
+                  <a:schemeClr val="dk1"/>
+                </a:solidFill>
+                <a:latin typeface="+mn-lt"/>
+                <a:ea typeface="+mn-ea"/>
+                <a:cs typeface="+mn-cs"/>
+              </a:defRPr>
+            </a:lvl3pPr>
+            <a:lvl4pPr marL="1600200" indent="-228600" algn="l" defTabSz="914400" rtl="0" eaLnBrk="1" latinLnBrk="0" hangingPunct="1">
+              <a:lnSpc>
+                <a:spcPct val="90000"/>
+              </a:lnSpc>
+              <a:spcBef>
+                <a:spcPts val="500"/>
+              </a:spcBef>
+              <a:buFont typeface="Arial" panose="020B0604020202020204" pitchFamily="34" charset="0"/>
+              <a:buChar char="•"/>
+              <a:defRPr sz="1800" kern="1200">
+                <a:solidFill>
+                  <a:schemeClr val="dk1"/>
+                </a:solidFill>
+                <a:latin typeface="+mn-lt"/>
+                <a:ea typeface="+mn-ea"/>
+                <a:cs typeface="+mn-cs"/>
+              </a:defRPr>
+            </a:lvl4pPr>
+            <a:lvl5pPr marL="2057400" indent="-228600" algn="l" defTabSz="914400" rtl="0" eaLnBrk="1" latinLnBrk="0" hangingPunct="1">
+              <a:lnSpc>
+                <a:spcPct val="90000"/>
+              </a:lnSpc>
+              <a:spcBef>
+                <a:spcPts val="500"/>
+              </a:spcBef>
+              <a:buFont typeface="Arial" panose="020B0604020202020204" pitchFamily="34" charset="0"/>
+              <a:buChar char="•"/>
+              <a:defRPr sz="1800" kern="1200">
+                <a:solidFill>
+                  <a:schemeClr val="dk1"/>
+                </a:solidFill>
+                <a:latin typeface="+mn-lt"/>
+                <a:ea typeface="+mn-ea"/>
+                <a:cs typeface="+mn-cs"/>
+              </a:defRPr>
+            </a:lvl5pPr>
+            <a:lvl6pPr marL="2514600" indent="-228600" algn="l" defTabSz="914400" rtl="0" eaLnBrk="1" latinLnBrk="0" hangingPunct="1">
+              <a:lnSpc>
+                <a:spcPct val="90000"/>
+              </a:lnSpc>
+              <a:spcBef>
+                <a:spcPts val="500"/>
+              </a:spcBef>
+              <a:buFont typeface="Arial" panose="020B0604020202020204" pitchFamily="34" charset="0"/>
+              <a:buChar char="•"/>
+              <a:defRPr sz="1800" kern="1200">
+                <a:solidFill>
+                  <a:schemeClr val="dk1"/>
+                </a:solidFill>
+                <a:latin typeface="+mn-lt"/>
+                <a:ea typeface="+mn-ea"/>
+                <a:cs typeface="+mn-cs"/>
+              </a:defRPr>
+            </a:lvl6pPr>
+            <a:lvl7pPr marL="2971800" indent="-228600" algn="l" defTabSz="914400" rtl="0" eaLnBrk="1" latinLnBrk="0" hangingPunct="1">
+              <a:lnSpc>
+                <a:spcPct val="90000"/>
+              </a:lnSpc>
+              <a:spcBef>
+                <a:spcPts val="500"/>
+              </a:spcBef>
+              <a:buFont typeface="Arial" panose="020B0604020202020204" pitchFamily="34" charset="0"/>
+              <a:buChar char="•"/>
+              <a:defRPr sz="1800" kern="1200">
+                <a:solidFill>
+                  <a:schemeClr val="dk1"/>
+                </a:solidFill>
+                <a:latin typeface="+mn-lt"/>
+                <a:ea typeface="+mn-ea"/>
+                <a:cs typeface="+mn-cs"/>
+              </a:defRPr>
+            </a:lvl7pPr>
+            <a:lvl8pPr marL="3429000" indent="-228600" algn="l" defTabSz="914400" rtl="0" eaLnBrk="1" latinLnBrk="0" hangingPunct="1">
+              <a:lnSpc>
+                <a:spcPct val="90000"/>
+              </a:lnSpc>
+              <a:spcBef>
+                <a:spcPts val="500"/>
+              </a:spcBef>
+              <a:buFont typeface="Arial" panose="020B0604020202020204" pitchFamily="34" charset="0"/>
+              <a:buChar char="•"/>
+              <a:defRPr sz="1800" kern="1200">
+                <a:solidFill>
+                  <a:schemeClr val="dk1"/>
+                </a:solidFill>
+                <a:latin typeface="+mn-lt"/>
+                <a:ea typeface="+mn-ea"/>
+                <a:cs typeface="+mn-cs"/>
+              </a:defRPr>
+            </a:lvl8pPr>
+            <a:lvl9pPr marL="3886200" indent="-228600" algn="l" defTabSz="914400" rtl="0" eaLnBrk="1" latinLnBrk="0" hangingPunct="1">
+              <a:lnSpc>
+                <a:spcPct val="90000"/>
+              </a:lnSpc>
+              <a:spcBef>
+                <a:spcPts val="500"/>
+              </a:spcBef>
+              <a:buFont typeface="Arial" panose="020B0604020202020204" pitchFamily="34" charset="0"/>
+              <a:buChar char="•"/>
+              <a:defRPr sz="1800" kern="1200">
+                <a:solidFill>
+                  <a:schemeClr val="dk1"/>
+                </a:solidFill>
+                <a:latin typeface="+mn-lt"/>
+                <a:ea typeface="+mn-ea"/>
+                <a:cs typeface="+mn-cs"/>
+              </a:defRPr>
+            </a:lvl9pPr>
+          </a:lstStyle>
+          <a:p>
+            <a:pPr marL="0" indent="0" algn="ctr">
+              <a:buNone/>
+            </a:pPr>
+            <a:r>
+              <a:rPr lang="en-US" sz="1400" b="1" dirty="0">
+                <a:solidFill>
+                  <a:schemeClr val="bg1"/>
+                </a:solidFill>
+                <a:latin typeface="Times New Roman" panose="02020603050405020304" pitchFamily="18" charset="0"/>
+                <a:cs typeface="Times New Roman" panose="02020603050405020304" pitchFamily="18" charset="0"/>
+              </a:rPr>
+              <a:t>Cues (Proximal Indicators):</a:t>
+            </a:r>
+          </a:p>
+        </p:txBody>
+      </p:sp>
+      <p:sp>
+        <p:nvSpPr>
+          <p:cNvPr id="40" name="Ellipse 39">
+            <a:extLst>
+              <a:ext uri="{FF2B5EF4-FFF2-40B4-BE49-F238E27FC236}">
+                <a16:creationId xmlns:a16="http://schemas.microsoft.com/office/drawing/2014/main" id="{4D92144D-9977-4395-92F0-D39DD6118FB0}"/>
               </a:ext>
             </a:extLst>
           </p:cNvPr>
@@ -4811,8 +4618,8 @@
         </p:nvSpPr>
         <p:spPr>
           <a:xfrm>
-            <a:off x="7663145" y="2547968"/>
-            <a:ext cx="1724473" cy="853107"/>
+            <a:off x="5008838" y="1300240"/>
+            <a:ext cx="1724473" cy="740855"/>
           </a:xfrm>
           <a:prstGeom prst="ellipse">
             <a:avLst/>
@@ -4856,17 +4663,308 @@
                   <a:schemeClr val="tx1"/>
                 </a:solidFill>
               </a:rPr>
-              <a:t>Perceived Sustainability (4# Items)</a:t>
-            </a:r>
-          </a:p>
-        </p:txBody>
-      </p:sp>
-      <p:sp>
-        <p:nvSpPr>
-          <p:cNvPr id="56" name="Textfeld 55">
+              <a:t>Evolutionary optimization</a:t>
+            </a:r>
+          </a:p>
+        </p:txBody>
+      </p:sp>
+      <p:sp>
+        <p:nvSpPr>
+          <p:cNvPr id="46" name="Ellipse 45">
             <a:extLst>
               <a:ext uri="{FF2B5EF4-FFF2-40B4-BE49-F238E27FC236}">
-                <a16:creationId xmlns:a16="http://schemas.microsoft.com/office/drawing/2014/main" id="{6D15DCCC-3D23-4E62-8D8E-433CD497ECF4}"/>
+                <a16:creationId xmlns:a16="http://schemas.microsoft.com/office/drawing/2014/main" id="{6EBD9AAF-980D-47FE-B6AB-7FB27FDF2C9F}"/>
+              </a:ext>
+            </a:extLst>
+          </p:cNvPr>
+          <p:cNvSpPr/>
+          <p:nvPr/>
+        </p:nvSpPr>
+        <p:spPr>
+          <a:xfrm>
+            <a:off x="4990763" y="2170791"/>
+            <a:ext cx="1724473" cy="740855"/>
+          </a:xfrm>
+          <a:prstGeom prst="ellipse">
+            <a:avLst/>
+          </a:prstGeom>
+          <a:noFill/>
+          <a:ln>
+            <a:solidFill>
+              <a:schemeClr val="tx1"/>
+            </a:solidFill>
+          </a:ln>
+        </p:spPr>
+        <p:style>
+          <a:lnRef idx="2">
+            <a:schemeClr val="accent1">
+              <a:shade val="50000"/>
+            </a:schemeClr>
+          </a:lnRef>
+          <a:fillRef idx="1">
+            <a:schemeClr val="accent1"/>
+          </a:fillRef>
+          <a:effectRef idx="0">
+            <a:schemeClr val="accent1"/>
+          </a:effectRef>
+          <a:fontRef idx="minor">
+            <a:schemeClr val="lt1"/>
+          </a:fontRef>
+        </p:style>
+        <p:txBody>
+          <a:bodyPr rot="0" spcFirstLastPara="0" vertOverflow="overflow" horzOverflow="overflow" vert="horz" wrap="square" lIns="91440" tIns="45720" rIns="91440" bIns="45720" numCol="1" spcCol="0" rtlCol="0" fromWordArt="0" anchor="ctr" anchorCtr="0" forceAA="0" compatLnSpc="1">
+            <a:prstTxWarp prst="textNoShape">
+              <a:avLst/>
+            </a:prstTxWarp>
+            <a:noAutofit/>
+          </a:bodyPr>
+          <a:lstStyle/>
+          <a:p>
+            <a:pPr algn="ctr"/>
+            <a:r>
+              <a:rPr lang="en-US" sz="1400" dirty="0">
+                <a:solidFill>
+                  <a:schemeClr val="tx1"/>
+                </a:solidFill>
+              </a:rPr>
+              <a:t>Energy efficiency</a:t>
+            </a:r>
+          </a:p>
+        </p:txBody>
+      </p:sp>
+      <p:sp>
+        <p:nvSpPr>
+          <p:cNvPr id="49" name="Rechteck: abgerundete Ecken 4">
+            <a:extLst>
+              <a:ext uri="{FF2B5EF4-FFF2-40B4-BE49-F238E27FC236}">
+                <a16:creationId xmlns:a16="http://schemas.microsoft.com/office/drawing/2014/main" id="{85F9880B-1433-46D9-ABBA-40F2F9599AA2}"/>
+              </a:ext>
+            </a:extLst>
+          </p:cNvPr>
+          <p:cNvSpPr txBox="1">
+            <a:spLocks/>
+          </p:cNvSpPr>
+          <p:nvPr/>
+        </p:nvSpPr>
+        <p:spPr>
+          <a:xfrm>
+            <a:off x="9077230" y="146395"/>
+            <a:ext cx="2378841" cy="263105"/>
+          </a:xfrm>
+          <a:prstGeom prst="roundRect">
+            <a:avLst/>
+          </a:prstGeom>
+          <a:solidFill>
+            <a:schemeClr val="bg2">
+              <a:lumMod val="50000"/>
+            </a:schemeClr>
+          </a:solidFill>
+        </p:spPr>
+        <p:style>
+          <a:lnRef idx="2">
+            <a:schemeClr val="dk1"/>
+          </a:lnRef>
+          <a:fillRef idx="1">
+            <a:schemeClr val="lt1"/>
+          </a:fillRef>
+          <a:effectRef idx="0">
+            <a:schemeClr val="dk1"/>
+          </a:effectRef>
+          <a:fontRef idx="minor">
+            <a:schemeClr val="dk1"/>
+          </a:fontRef>
+        </p:style>
+        <p:txBody>
+          <a:bodyPr vert="horz" lIns="91440" tIns="45720" rIns="91440" bIns="45720" rtlCol="0" anchor="ctr">
+            <a:normAutofit fontScale="85000" lnSpcReduction="20000"/>
+          </a:bodyPr>
+          <a:lstStyle>
+            <a:lvl1pPr marL="228600" indent="-228600" algn="l" defTabSz="914400" rtl="0" eaLnBrk="1" latinLnBrk="0" hangingPunct="1">
+              <a:lnSpc>
+                <a:spcPct val="90000"/>
+              </a:lnSpc>
+              <a:spcBef>
+                <a:spcPts val="1000"/>
+              </a:spcBef>
+              <a:buFont typeface="Arial" panose="020B0604020202020204" pitchFamily="34" charset="0"/>
+              <a:buChar char="•"/>
+              <a:defRPr sz="2800" kern="1200">
+                <a:solidFill>
+                  <a:schemeClr val="dk1"/>
+                </a:solidFill>
+                <a:latin typeface="+mn-lt"/>
+                <a:ea typeface="+mn-ea"/>
+                <a:cs typeface="+mn-cs"/>
+              </a:defRPr>
+            </a:lvl1pPr>
+            <a:lvl2pPr marL="685800" indent="-228600" algn="l" defTabSz="914400" rtl="0" eaLnBrk="1" latinLnBrk="0" hangingPunct="1">
+              <a:lnSpc>
+                <a:spcPct val="90000"/>
+              </a:lnSpc>
+              <a:spcBef>
+                <a:spcPts val="500"/>
+              </a:spcBef>
+              <a:buFont typeface="Arial" panose="020B0604020202020204" pitchFamily="34" charset="0"/>
+              <a:buChar char="•"/>
+              <a:defRPr sz="2400" kern="1200">
+                <a:solidFill>
+                  <a:schemeClr val="dk1"/>
+                </a:solidFill>
+                <a:latin typeface="+mn-lt"/>
+                <a:ea typeface="+mn-ea"/>
+                <a:cs typeface="+mn-cs"/>
+              </a:defRPr>
+            </a:lvl2pPr>
+            <a:lvl3pPr marL="1143000" indent="-228600" algn="l" defTabSz="914400" rtl="0" eaLnBrk="1" latinLnBrk="0" hangingPunct="1">
+              <a:lnSpc>
+                <a:spcPct val="90000"/>
+              </a:lnSpc>
+              <a:spcBef>
+                <a:spcPts val="500"/>
+              </a:spcBef>
+              <a:buFont typeface="Arial" panose="020B0604020202020204" pitchFamily="34" charset="0"/>
+              <a:buChar char="•"/>
+              <a:defRPr sz="2000" kern="1200">
+                <a:solidFill>
+                  <a:schemeClr val="dk1"/>
+                </a:solidFill>
+                <a:latin typeface="+mn-lt"/>
+                <a:ea typeface="+mn-ea"/>
+                <a:cs typeface="+mn-cs"/>
+              </a:defRPr>
+            </a:lvl3pPr>
+            <a:lvl4pPr marL="1600200" indent="-228600" algn="l" defTabSz="914400" rtl="0" eaLnBrk="1" latinLnBrk="0" hangingPunct="1">
+              <a:lnSpc>
+                <a:spcPct val="90000"/>
+              </a:lnSpc>
+              <a:spcBef>
+                <a:spcPts val="500"/>
+              </a:spcBef>
+              <a:buFont typeface="Arial" panose="020B0604020202020204" pitchFamily="34" charset="0"/>
+              <a:buChar char="•"/>
+              <a:defRPr sz="1800" kern="1200">
+                <a:solidFill>
+                  <a:schemeClr val="dk1"/>
+                </a:solidFill>
+                <a:latin typeface="+mn-lt"/>
+                <a:ea typeface="+mn-ea"/>
+                <a:cs typeface="+mn-cs"/>
+              </a:defRPr>
+            </a:lvl4pPr>
+            <a:lvl5pPr marL="2057400" indent="-228600" algn="l" defTabSz="914400" rtl="0" eaLnBrk="1" latinLnBrk="0" hangingPunct="1">
+              <a:lnSpc>
+                <a:spcPct val="90000"/>
+              </a:lnSpc>
+              <a:spcBef>
+                <a:spcPts val="500"/>
+              </a:spcBef>
+              <a:buFont typeface="Arial" panose="020B0604020202020204" pitchFamily="34" charset="0"/>
+              <a:buChar char="•"/>
+              <a:defRPr sz="1800" kern="1200">
+                <a:solidFill>
+                  <a:schemeClr val="dk1"/>
+                </a:solidFill>
+                <a:latin typeface="+mn-lt"/>
+                <a:ea typeface="+mn-ea"/>
+                <a:cs typeface="+mn-cs"/>
+              </a:defRPr>
+            </a:lvl5pPr>
+            <a:lvl6pPr marL="2514600" indent="-228600" algn="l" defTabSz="914400" rtl="0" eaLnBrk="1" latinLnBrk="0" hangingPunct="1">
+              <a:lnSpc>
+                <a:spcPct val="90000"/>
+              </a:lnSpc>
+              <a:spcBef>
+                <a:spcPts val="500"/>
+              </a:spcBef>
+              <a:buFont typeface="Arial" panose="020B0604020202020204" pitchFamily="34" charset="0"/>
+              <a:buChar char="•"/>
+              <a:defRPr sz="1800" kern="1200">
+                <a:solidFill>
+                  <a:schemeClr val="dk1"/>
+                </a:solidFill>
+                <a:latin typeface="+mn-lt"/>
+                <a:ea typeface="+mn-ea"/>
+                <a:cs typeface="+mn-cs"/>
+              </a:defRPr>
+            </a:lvl6pPr>
+            <a:lvl7pPr marL="2971800" indent="-228600" algn="l" defTabSz="914400" rtl="0" eaLnBrk="1" latinLnBrk="0" hangingPunct="1">
+              <a:lnSpc>
+                <a:spcPct val="90000"/>
+              </a:lnSpc>
+              <a:spcBef>
+                <a:spcPts val="500"/>
+              </a:spcBef>
+              <a:buFont typeface="Arial" panose="020B0604020202020204" pitchFamily="34" charset="0"/>
+              <a:buChar char="•"/>
+              <a:defRPr sz="1800" kern="1200">
+                <a:solidFill>
+                  <a:schemeClr val="dk1"/>
+                </a:solidFill>
+                <a:latin typeface="+mn-lt"/>
+                <a:ea typeface="+mn-ea"/>
+                <a:cs typeface="+mn-cs"/>
+              </a:defRPr>
+            </a:lvl7pPr>
+            <a:lvl8pPr marL="3429000" indent="-228600" algn="l" defTabSz="914400" rtl="0" eaLnBrk="1" latinLnBrk="0" hangingPunct="1">
+              <a:lnSpc>
+                <a:spcPct val="90000"/>
+              </a:lnSpc>
+              <a:spcBef>
+                <a:spcPts val="500"/>
+              </a:spcBef>
+              <a:buFont typeface="Arial" panose="020B0604020202020204" pitchFamily="34" charset="0"/>
+              <a:buChar char="•"/>
+              <a:defRPr sz="1800" kern="1200">
+                <a:solidFill>
+                  <a:schemeClr val="dk1"/>
+                </a:solidFill>
+                <a:latin typeface="+mn-lt"/>
+                <a:ea typeface="+mn-ea"/>
+                <a:cs typeface="+mn-cs"/>
+              </a:defRPr>
+            </a:lvl8pPr>
+            <a:lvl9pPr marL="3886200" indent="-228600" algn="l" defTabSz="914400" rtl="0" eaLnBrk="1" latinLnBrk="0" hangingPunct="1">
+              <a:lnSpc>
+                <a:spcPct val="90000"/>
+              </a:lnSpc>
+              <a:spcBef>
+                <a:spcPts val="500"/>
+              </a:spcBef>
+              <a:buFont typeface="Arial" panose="020B0604020202020204" pitchFamily="34" charset="0"/>
+              <a:buChar char="•"/>
+              <a:defRPr sz="1800" kern="1200">
+                <a:solidFill>
+                  <a:schemeClr val="dk1"/>
+                </a:solidFill>
+                <a:latin typeface="+mn-lt"/>
+                <a:ea typeface="+mn-ea"/>
+                <a:cs typeface="+mn-cs"/>
+              </a:defRPr>
+            </a:lvl9pPr>
+          </a:lstStyle>
+          <a:p>
+            <a:pPr marL="0" indent="0" algn="ctr">
+              <a:buNone/>
+            </a:pPr>
+            <a:r>
+              <a:rPr lang="en-US" sz="1400" b="1" dirty="0">
+                <a:solidFill>
+                  <a:schemeClr val="bg1"/>
+                </a:solidFill>
+                <a:latin typeface="Times New Roman" panose="02020603050405020304" pitchFamily="18" charset="0"/>
+                <a:cs typeface="Times New Roman" panose="02020603050405020304" pitchFamily="18" charset="0"/>
+              </a:rPr>
+              <a:t>Distal Criteria:</a:t>
+            </a:r>
+          </a:p>
+        </p:txBody>
+      </p:sp>
+      <p:sp>
+        <p:nvSpPr>
+          <p:cNvPr id="9" name="Textfeld 8">
+            <a:extLst>
+              <a:ext uri="{FF2B5EF4-FFF2-40B4-BE49-F238E27FC236}">
+                <a16:creationId xmlns:a16="http://schemas.microsoft.com/office/drawing/2014/main" id="{DD1A79BF-8EE7-4FDF-9D98-7BEAD3B08AA2}"/>
               </a:ext>
             </a:extLst>
           </p:cNvPr>
@@ -4875,8 +4973,8 @@
         </p:nvSpPr>
         <p:spPr>
           <a:xfrm>
-            <a:off x="5647402" y="2030257"/>
-            <a:ext cx="800219" cy="369332"/>
+            <a:off x="113019" y="1636997"/>
+            <a:ext cx="2180601" cy="830997"/>
           </a:xfrm>
           <a:prstGeom prst="rect">
             <a:avLst/>
@@ -4884,24 +4982,30 @@
           <a:noFill/>
         </p:spPr>
         <p:txBody>
-          <a:bodyPr wrap="none" rtlCol="0">
+          <a:bodyPr wrap="square" rtlCol="0">
             <a:spAutoFit/>
           </a:bodyPr>
           <a:lstStyle/>
           <a:p>
             <a:r>
-              <a:rPr lang="en-US" dirty="0"/>
-              <a:t>N=197</a:t>
-            </a:r>
-          </a:p>
-        </p:txBody>
-      </p:sp>
-      <p:sp>
-        <p:nvSpPr>
-          <p:cNvPr id="57" name="Textfeld 56">
+              <a:rPr lang="en-US" sz="1200" dirty="0"/>
+              <a:t>“draws inspiration from natural plant structures”</a:t>
+            </a:r>
+          </a:p>
+          <a:p>
+            <a:r>
+              <a:rPr lang="en-US" sz="1200" dirty="0"/>
+              <a:t>“pine cones, which open and close in response to humidity”</a:t>
+            </a:r>
+          </a:p>
+        </p:txBody>
+      </p:sp>
+      <p:sp>
+        <p:nvSpPr>
+          <p:cNvPr id="52" name="Textfeld 51">
             <a:extLst>
               <a:ext uri="{FF2B5EF4-FFF2-40B4-BE49-F238E27FC236}">
-                <a16:creationId xmlns:a16="http://schemas.microsoft.com/office/drawing/2014/main" id="{E4C2ABE2-3A98-42A4-93C9-A2140C5500C5}"/>
+                <a16:creationId xmlns:a16="http://schemas.microsoft.com/office/drawing/2014/main" id="{EAA60CC0-422C-4D45-8F42-8B1C75EFA03E}"/>
               </a:ext>
             </a:extLst>
           </p:cNvPr>
@@ -4910,8 +5014,8 @@
         </p:nvSpPr>
         <p:spPr>
           <a:xfrm>
-            <a:off x="5647402" y="2930191"/>
-            <a:ext cx="800219" cy="369332"/>
+            <a:off x="113019" y="3489561"/>
+            <a:ext cx="2180601" cy="830997"/>
           </a:xfrm>
           <a:prstGeom prst="rect">
             <a:avLst/>
@@ -4919,36 +5023,114 @@
           <a:noFill/>
         </p:spPr>
         <p:txBody>
-          <a:bodyPr wrap="none" rtlCol="0">
+          <a:bodyPr wrap="square" rtlCol="0">
             <a:spAutoFit/>
           </a:bodyPr>
           <a:lstStyle/>
           <a:p>
             <a:r>
-              <a:rPr lang="en-US" dirty="0"/>
-              <a:t>N=197</a:t>
+              <a:rPr lang="en-US" sz="1200" dirty="0"/>
+              <a:t>“react to humidity without external energy”</a:t>
+            </a:r>
+          </a:p>
+          <a:p>
+            <a:r>
+              <a:rPr lang="en-US" sz="1200" dirty="0"/>
+              <a:t>“reduce reliance on synthetic or carbon-intensive materials”</a:t>
+            </a:r>
+          </a:p>
+        </p:txBody>
+      </p:sp>
+      <p:sp>
+        <p:nvSpPr>
+          <p:cNvPr id="54" name="Textfeld 53">
+            <a:extLst>
+              <a:ext uri="{FF2B5EF4-FFF2-40B4-BE49-F238E27FC236}">
+                <a16:creationId xmlns:a16="http://schemas.microsoft.com/office/drawing/2014/main" id="{7354B11D-0EDD-44F6-B95C-7AD5D6CD467B}"/>
+              </a:ext>
+            </a:extLst>
+          </p:cNvPr>
+          <p:cNvSpPr txBox="1"/>
+          <p:nvPr/>
+        </p:nvSpPr>
+        <p:spPr>
+          <a:xfrm rot="21270095">
+            <a:off x="2387818" y="531011"/>
+            <a:ext cx="2295511" cy="461665"/>
+          </a:xfrm>
+          <a:prstGeom prst="rect">
+            <a:avLst/>
+          </a:prstGeom>
+          <a:noFill/>
+        </p:spPr>
+        <p:txBody>
+          <a:bodyPr wrap="square" rtlCol="0">
+            <a:spAutoFit/>
+          </a:bodyPr>
+          <a:lstStyle/>
+          <a:p>
+            <a:r>
+              <a:rPr lang="en-US" sz="1200" dirty="0"/>
+              <a:t>Explicit reference to plants, pine cones, cellulose </a:t>
+            </a:r>
+          </a:p>
+        </p:txBody>
+      </p:sp>
+      <p:sp>
+        <p:nvSpPr>
+          <p:cNvPr id="55" name="Textfeld 54">
+            <a:extLst>
+              <a:ext uri="{FF2B5EF4-FFF2-40B4-BE49-F238E27FC236}">
+                <a16:creationId xmlns:a16="http://schemas.microsoft.com/office/drawing/2014/main" id="{D83383BF-3FFD-40FA-B036-69E5747CBBD3}"/>
+              </a:ext>
+            </a:extLst>
+          </p:cNvPr>
+          <p:cNvSpPr txBox="1"/>
+          <p:nvPr/>
+        </p:nvSpPr>
+        <p:spPr>
+          <a:xfrm rot="1004659">
+            <a:off x="2436188" y="1466689"/>
+            <a:ext cx="2295511" cy="461665"/>
+          </a:xfrm>
+          <a:prstGeom prst="rect">
+            <a:avLst/>
+          </a:prstGeom>
+          <a:noFill/>
+        </p:spPr>
+        <p:txBody>
+          <a:bodyPr wrap="square" rtlCol="0">
+            <a:spAutoFit/>
+          </a:bodyPr>
+          <a:lstStyle/>
+          <a:p>
+            <a:r>
+              <a:rPr lang="en-US" sz="1200" dirty="0"/>
+              <a:t>Plants operate efficiently and adaptively</a:t>
             </a:r>
           </a:p>
         </p:txBody>
       </p:sp>
       <p:cxnSp>
         <p:nvCxnSpPr>
-          <p:cNvPr id="61" name="Straight Arrow Connector 12">
+          <p:cNvPr id="58" name="Straight Arrow Connector 12">
             <a:extLst>
               <a:ext uri="{FF2B5EF4-FFF2-40B4-BE49-F238E27FC236}">
-                <a16:creationId xmlns:a16="http://schemas.microsoft.com/office/drawing/2014/main" id="{CF9F1973-5BE1-40B6-B0E0-F50583E4219B}"/>
+                <a16:creationId xmlns:a16="http://schemas.microsoft.com/office/drawing/2014/main" id="{3A8B5439-C78E-4ADC-8A01-8BAC887843FA}"/>
               </a:ext>
             </a:extLst>
           </p:cNvPr>
           <p:cNvCxnSpPr>
             <a:cxnSpLocks/>
+            <a:stCxn id="41" idx="3"/>
+            <a:endCxn id="40" idx="2"/>
           </p:cNvCxnSpPr>
           <p:nvPr/>
         </p:nvCxnSpPr>
         <p:spPr>
           <a:xfrm>
-            <a:off x="5647400" y="3331988"/>
-            <a:ext cx="1954348" cy="0"/>
+            <a:off x="2281196" y="1088935"/>
+            <a:ext cx="2727642" cy="581733"/>
           </a:xfrm>
           <a:prstGeom prst="straightConnector1">
             <a:avLst/>
@@ -4977,10 +5159,10 @@
       </p:cxnSp>
       <p:sp>
         <p:nvSpPr>
-          <p:cNvPr id="71" name="Textfeld 70">
+          <p:cNvPr id="59" name="Textfeld 58">
             <a:extLst>
               <a:ext uri="{FF2B5EF4-FFF2-40B4-BE49-F238E27FC236}">
-                <a16:creationId xmlns:a16="http://schemas.microsoft.com/office/drawing/2014/main" id="{472ACCB3-9CA2-489C-B989-E2251B4E2A76}"/>
+                <a16:creationId xmlns:a16="http://schemas.microsoft.com/office/drawing/2014/main" id="{973B5F02-44B6-484D-8AB5-B8ACCBE0D484}"/>
               </a:ext>
             </a:extLst>
           </p:cNvPr>
@@ -4988,9 +5170,9 @@
           <p:nvPr/>
         </p:nvSpPr>
         <p:spPr>
-          <a:xfrm>
-            <a:off x="5829740" y="3343427"/>
-            <a:ext cx="1647823" cy="276999"/>
+          <a:xfrm rot="20949269">
+            <a:off x="2307756" y="2310385"/>
+            <a:ext cx="2295511" cy="461665"/>
           </a:xfrm>
           <a:prstGeom prst="rect">
             <a:avLst/>
@@ -4998,108 +5180,102 @@
           <a:noFill/>
         </p:spPr>
         <p:txBody>
-          <a:bodyPr wrap="none" rtlCol="0">
+          <a:bodyPr wrap="square" rtlCol="0">
             <a:spAutoFit/>
           </a:bodyPr>
           <a:lstStyle/>
           <a:p>
             <a:r>
               <a:rPr lang="en-US" sz="1200" dirty="0"/>
-              <a:t>randomized scale order</a:t>
-            </a:r>
-          </a:p>
-        </p:txBody>
-      </p:sp>
-      <p:sp>
-        <p:nvSpPr>
-          <p:cNvPr id="75" name="Textfeld 74">
+              <a:t>Reducing building energy use through autonomous adjustment </a:t>
+            </a:r>
+          </a:p>
+        </p:txBody>
+      </p:sp>
+      <p:sp>
+        <p:nvSpPr>
+          <p:cNvPr id="60" name="Ellipse 59">
             <a:extLst>
               <a:ext uri="{FF2B5EF4-FFF2-40B4-BE49-F238E27FC236}">
-                <a16:creationId xmlns:a16="http://schemas.microsoft.com/office/drawing/2014/main" id="{57759DCB-EB93-4760-A1A5-6B6B0C662249}"/>
+                <a16:creationId xmlns:a16="http://schemas.microsoft.com/office/drawing/2014/main" id="{EB506328-373B-4781-B261-FD5308B2218F}"/>
               </a:ext>
             </a:extLst>
           </p:cNvPr>
-          <p:cNvSpPr txBox="1"/>
+          <p:cNvSpPr/>
           <p:nvPr/>
         </p:nvSpPr>
         <p:spPr>
           <a:xfrm>
-            <a:off x="5704526" y="2498430"/>
-            <a:ext cx="1926681" cy="276999"/>
-          </a:xfrm>
-          <a:prstGeom prst="rect">
+            <a:off x="5011343" y="2948534"/>
+            <a:ext cx="1724473" cy="740855"/>
+          </a:xfrm>
+          <a:prstGeom prst="ellipse">
             <a:avLst/>
           </a:prstGeom>
           <a:noFill/>
-        </p:spPr>
-        <p:txBody>
-          <a:bodyPr wrap="none" rtlCol="0">
-            <a:spAutoFit/>
+          <a:ln>
+            <a:solidFill>
+              <a:schemeClr val="tx1"/>
+            </a:solidFill>
+          </a:ln>
+        </p:spPr>
+        <p:style>
+          <a:lnRef idx="2">
+            <a:schemeClr val="accent1">
+              <a:shade val="50000"/>
+            </a:schemeClr>
+          </a:lnRef>
+          <a:fillRef idx="1">
+            <a:schemeClr val="accent1"/>
+          </a:fillRef>
+          <a:effectRef idx="0">
+            <a:schemeClr val="accent1"/>
+          </a:effectRef>
+          <a:fontRef idx="minor">
+            <a:schemeClr val="lt1"/>
+          </a:fontRef>
+        </p:style>
+        <p:txBody>
+          <a:bodyPr rot="0" spcFirstLastPara="0" vertOverflow="overflow" horzOverflow="overflow" vert="horz" wrap="square" lIns="91440" tIns="45720" rIns="91440" bIns="45720" numCol="1" spcCol="0" rtlCol="0" fromWordArt="0" anchor="ctr" anchorCtr="0" forceAA="0" compatLnSpc="1">
+            <a:prstTxWarp prst="textNoShape">
+              <a:avLst/>
+            </a:prstTxWarp>
+            <a:noAutofit/>
           </a:bodyPr>
           <a:lstStyle/>
           <a:p>
-            <a:r>
-              <a:rPr lang="en-US" sz="1200" dirty="0"/>
-              <a:t>perceived sustainability first</a:t>
-            </a:r>
-          </a:p>
-        </p:txBody>
-      </p:sp>
-      <p:sp>
-        <p:nvSpPr>
-          <p:cNvPr id="76" name="Textfeld 75">
+            <a:pPr algn="ctr"/>
+            <a:r>
+              <a:rPr lang="en-US" sz="1400" dirty="0">
+                <a:solidFill>
+                  <a:schemeClr val="tx1"/>
+                </a:solidFill>
+              </a:rPr>
+              <a:t>Material sustainability cue</a:t>
+            </a:r>
+          </a:p>
+        </p:txBody>
+      </p:sp>
+      <p:cxnSp>
+        <p:nvCxnSpPr>
+          <p:cNvPr id="62" name="Straight Arrow Connector 12">
             <a:extLst>
               <a:ext uri="{FF2B5EF4-FFF2-40B4-BE49-F238E27FC236}">
-                <a16:creationId xmlns:a16="http://schemas.microsoft.com/office/drawing/2014/main" id="{36347EDE-372A-49C6-BA68-A4BAB3278AC3}"/>
-              </a:ext>
-            </a:extLst>
-          </p:cNvPr>
-          <p:cNvSpPr txBox="1"/>
-          <p:nvPr/>
-        </p:nvSpPr>
-        <p:spPr>
-          <a:xfrm>
-            <a:off x="5614245" y="1642918"/>
-            <a:ext cx="2013885" cy="276999"/>
-          </a:xfrm>
-          <a:prstGeom prst="rect">
-            <a:avLst/>
-          </a:prstGeom>
-          <a:noFill/>
-        </p:spPr>
-        <p:txBody>
-          <a:bodyPr wrap="none" rtlCol="0">
-            <a:spAutoFit/>
-          </a:bodyPr>
-          <a:lstStyle/>
-          <a:p>
-            <a:r>
-              <a:rPr lang="en-US" sz="1200" dirty="0"/>
-              <a:t>perceived bio-inspiration first</a:t>
-            </a:r>
-          </a:p>
-        </p:txBody>
-      </p:sp>
-      <p:cxnSp>
-        <p:nvCxnSpPr>
-          <p:cNvPr id="84" name="Straight Arrow Connector 12">
-            <a:extLst>
-              <a:ext uri="{FF2B5EF4-FFF2-40B4-BE49-F238E27FC236}">
-                <a16:creationId xmlns:a16="http://schemas.microsoft.com/office/drawing/2014/main" id="{B4410728-32AF-40A3-A429-65CF8CFD52B7}"/>
+                <a16:creationId xmlns:a16="http://schemas.microsoft.com/office/drawing/2014/main" id="{C9AECC65-C014-452D-85E9-6544F47A9497}"/>
               </a:ext>
             </a:extLst>
           </p:cNvPr>
           <p:cNvCxnSpPr>
             <a:cxnSpLocks/>
-            <a:stCxn id="53" idx="6"/>
-            <a:endCxn id="30" idx="1"/>
+            <a:stCxn id="42" idx="3"/>
+            <a:endCxn id="60" idx="2"/>
           </p:cNvCxnSpPr>
           <p:nvPr/>
         </p:nvCxnSpPr>
         <p:spPr>
-          <a:xfrm flipV="1">
-            <a:off x="9387616" y="2457481"/>
-            <a:ext cx="525600" cy="517041"/>
+          <a:xfrm>
+            <a:off x="2281197" y="3015390"/>
+            <a:ext cx="2730146" cy="303572"/>
           </a:xfrm>
           <a:prstGeom prst="straightConnector1">
             <a:avLst/>
@@ -5126,6 +5302,701 @@
           </a:fontRef>
         </p:style>
       </p:cxnSp>
+      <p:sp>
+        <p:nvSpPr>
+          <p:cNvPr id="63" name="Textfeld 62">
+            <a:extLst>
+              <a:ext uri="{FF2B5EF4-FFF2-40B4-BE49-F238E27FC236}">
+                <a16:creationId xmlns:a16="http://schemas.microsoft.com/office/drawing/2014/main" id="{9620FF72-6834-4AE5-B76D-6F3FEEF9D865}"/>
+              </a:ext>
+            </a:extLst>
+          </p:cNvPr>
+          <p:cNvSpPr txBox="1"/>
+          <p:nvPr/>
+        </p:nvSpPr>
+        <p:spPr>
+          <a:xfrm rot="758421">
+            <a:off x="2275410" y="3252941"/>
+            <a:ext cx="2295511" cy="461665"/>
+          </a:xfrm>
+          <a:prstGeom prst="rect">
+            <a:avLst/>
+          </a:prstGeom>
+          <a:noFill/>
+        </p:spPr>
+        <p:txBody>
+          <a:bodyPr wrap="square" rtlCol="0">
+            <a:spAutoFit/>
+          </a:bodyPr>
+          <a:lstStyle/>
+          <a:p>
+            <a:r>
+              <a:rPr lang="en-US" sz="1200" dirty="0"/>
+              <a:t>Reduced reliance on synthetic or carbon-intensive materials</a:t>
+            </a:r>
+          </a:p>
+        </p:txBody>
+      </p:sp>
+      <p:sp>
+        <p:nvSpPr>
+          <p:cNvPr id="77" name="Ellipse 76">
+            <a:extLst>
+              <a:ext uri="{FF2B5EF4-FFF2-40B4-BE49-F238E27FC236}">
+                <a16:creationId xmlns:a16="http://schemas.microsoft.com/office/drawing/2014/main" id="{C3ACCA7C-596D-4BA4-B79F-BE6508F727B1}"/>
+              </a:ext>
+            </a:extLst>
+          </p:cNvPr>
+          <p:cNvSpPr/>
+          <p:nvPr/>
+        </p:nvSpPr>
+        <p:spPr>
+          <a:xfrm>
+            <a:off x="5008838" y="3737437"/>
+            <a:ext cx="1724473" cy="740855"/>
+          </a:xfrm>
+          <a:prstGeom prst="ellipse">
+            <a:avLst/>
+          </a:prstGeom>
+          <a:noFill/>
+          <a:ln>
+            <a:solidFill>
+              <a:schemeClr val="tx1"/>
+            </a:solidFill>
+          </a:ln>
+        </p:spPr>
+        <p:style>
+          <a:lnRef idx="2">
+            <a:schemeClr val="accent1">
+              <a:shade val="50000"/>
+            </a:schemeClr>
+          </a:lnRef>
+          <a:fillRef idx="1">
+            <a:schemeClr val="accent1"/>
+          </a:fillRef>
+          <a:effectRef idx="0">
+            <a:schemeClr val="accent1"/>
+          </a:effectRef>
+          <a:fontRef idx="minor">
+            <a:schemeClr val="lt1"/>
+          </a:fontRef>
+        </p:style>
+        <p:txBody>
+          <a:bodyPr rot="0" spcFirstLastPara="0" vertOverflow="overflow" horzOverflow="overflow" vert="horz" wrap="square" lIns="91440" tIns="45720" rIns="91440" bIns="45720" numCol="1" spcCol="0" rtlCol="0" fromWordArt="0" anchor="ctr" anchorCtr="0" forceAA="0" compatLnSpc="1">
+            <a:prstTxWarp prst="textNoShape">
+              <a:avLst/>
+            </a:prstTxWarp>
+            <a:noAutofit/>
+          </a:bodyPr>
+          <a:lstStyle/>
+          <a:p>
+            <a:pPr algn="ctr"/>
+            <a:r>
+              <a:rPr lang="en-US" sz="1400" dirty="0">
+                <a:solidFill>
+                  <a:schemeClr val="tx1"/>
+                </a:solidFill>
+              </a:rPr>
+              <a:t>…</a:t>
+            </a:r>
+          </a:p>
+        </p:txBody>
+      </p:sp>
+      <p:cxnSp>
+        <p:nvCxnSpPr>
+          <p:cNvPr id="82" name="Straight Arrow Connector 12">
+            <a:extLst>
+              <a:ext uri="{FF2B5EF4-FFF2-40B4-BE49-F238E27FC236}">
+                <a16:creationId xmlns:a16="http://schemas.microsoft.com/office/drawing/2014/main" id="{1B7E9880-DDCE-4407-A483-F616944B4C61}"/>
+              </a:ext>
+            </a:extLst>
+          </p:cNvPr>
+          <p:cNvCxnSpPr>
+            <a:cxnSpLocks/>
+            <a:stCxn id="80" idx="1"/>
+            <a:endCxn id="31" idx="1"/>
+          </p:cNvCxnSpPr>
+          <p:nvPr/>
+        </p:nvCxnSpPr>
+        <p:spPr>
+          <a:xfrm>
+            <a:off x="7001521" y="1282090"/>
+            <a:ext cx="2743117" cy="1696383"/>
+          </a:xfrm>
+          <a:prstGeom prst="straightConnector1">
+            <a:avLst/>
+          </a:prstGeom>
+          <a:ln w="47625">
+            <a:solidFill>
+              <a:srgbClr val="859DB0"/>
+            </a:solidFill>
+            <a:prstDash val="dash"/>
+            <a:tailEnd type="triangle"/>
+          </a:ln>
+        </p:spPr>
+        <p:style>
+          <a:lnRef idx="1">
+            <a:schemeClr val="accent1"/>
+          </a:lnRef>
+          <a:fillRef idx="0">
+            <a:schemeClr val="accent1"/>
+          </a:fillRef>
+          <a:effectRef idx="0">
+            <a:schemeClr val="accent1"/>
+          </a:effectRef>
+          <a:fontRef idx="minor">
+            <a:schemeClr val="tx1"/>
+          </a:fontRef>
+        </p:style>
+      </p:cxnSp>
+      <p:sp>
+        <p:nvSpPr>
+          <p:cNvPr id="80" name="Geschweifte Klammer rechts 79">
+            <a:extLst>
+              <a:ext uri="{FF2B5EF4-FFF2-40B4-BE49-F238E27FC236}">
+                <a16:creationId xmlns:a16="http://schemas.microsoft.com/office/drawing/2014/main" id="{6ED47FA1-787A-410E-B001-B986BCBEA32D}"/>
+              </a:ext>
+            </a:extLst>
+          </p:cNvPr>
+          <p:cNvSpPr/>
+          <p:nvPr/>
+        </p:nvSpPr>
+        <p:spPr>
+          <a:xfrm>
+            <a:off x="6739334" y="592057"/>
+            <a:ext cx="262187" cy="1380065"/>
+          </a:xfrm>
+          <a:prstGeom prst="rightBrace">
+            <a:avLst/>
+          </a:prstGeom>
+          <a:ln w="28575"/>
+        </p:spPr>
+        <p:style>
+          <a:lnRef idx="1">
+            <a:schemeClr val="dk1"/>
+          </a:lnRef>
+          <a:fillRef idx="0">
+            <a:schemeClr val="dk1"/>
+          </a:fillRef>
+          <a:effectRef idx="0">
+            <a:schemeClr val="dk1"/>
+          </a:effectRef>
+          <a:fontRef idx="minor">
+            <a:schemeClr val="tx1"/>
+          </a:fontRef>
+        </p:style>
+        <p:txBody>
+          <a:bodyPr rtlCol="0" anchor="ctr"/>
+          <a:lstStyle/>
+          <a:p>
+            <a:pPr algn="ctr"/>
+            <a:endParaRPr lang="en-US"/>
+          </a:p>
+        </p:txBody>
+      </p:sp>
+      <p:cxnSp>
+        <p:nvCxnSpPr>
+          <p:cNvPr id="64" name="Straight Arrow Connector 12">
+            <a:extLst>
+              <a:ext uri="{FF2B5EF4-FFF2-40B4-BE49-F238E27FC236}">
+                <a16:creationId xmlns:a16="http://schemas.microsoft.com/office/drawing/2014/main" id="{E1C850F2-3697-4B9B-8C23-148F4174315E}"/>
+              </a:ext>
+            </a:extLst>
+          </p:cNvPr>
+          <p:cNvCxnSpPr>
+            <a:cxnSpLocks/>
+            <a:stCxn id="80" idx="1"/>
+            <a:endCxn id="30" idx="1"/>
+          </p:cNvCxnSpPr>
+          <p:nvPr/>
+        </p:nvCxnSpPr>
+        <p:spPr>
+          <a:xfrm>
+            <a:off x="7001521" y="1282090"/>
+            <a:ext cx="2743116" cy="18150"/>
+          </a:xfrm>
+          <a:prstGeom prst="straightConnector1">
+            <a:avLst/>
+          </a:prstGeom>
+          <a:ln w="47625">
+            <a:solidFill>
+              <a:srgbClr val="859DB0"/>
+            </a:solidFill>
+            <a:tailEnd type="triangle"/>
+          </a:ln>
+        </p:spPr>
+        <p:style>
+          <a:lnRef idx="1">
+            <a:schemeClr val="accent1"/>
+          </a:lnRef>
+          <a:fillRef idx="0">
+            <a:schemeClr val="accent1"/>
+          </a:fillRef>
+          <a:effectRef idx="0">
+            <a:schemeClr val="accent1"/>
+          </a:effectRef>
+          <a:fontRef idx="minor">
+            <a:schemeClr val="tx1"/>
+          </a:fontRef>
+        </p:style>
+      </p:cxnSp>
+      <p:sp>
+        <p:nvSpPr>
+          <p:cNvPr id="97" name="Textfeld 96">
+            <a:extLst>
+              <a:ext uri="{FF2B5EF4-FFF2-40B4-BE49-F238E27FC236}">
+                <a16:creationId xmlns:a16="http://schemas.microsoft.com/office/drawing/2014/main" id="{98E8D941-D080-4BAE-A879-6E252C48C055}"/>
+              </a:ext>
+            </a:extLst>
+          </p:cNvPr>
+          <p:cNvSpPr txBox="1"/>
+          <p:nvPr/>
+        </p:nvSpPr>
+        <p:spPr>
+          <a:xfrm>
+            <a:off x="7369477" y="1013505"/>
+            <a:ext cx="1784486" cy="276999"/>
+          </a:xfrm>
+          <a:prstGeom prst="rect">
+            <a:avLst/>
+          </a:prstGeom>
+          <a:noFill/>
+        </p:spPr>
+        <p:txBody>
+          <a:bodyPr wrap="square" rtlCol="0">
+            <a:spAutoFit/>
+          </a:bodyPr>
+          <a:lstStyle/>
+          <a:p>
+            <a:r>
+              <a:rPr lang="en-US" sz="1200" dirty="0"/>
+              <a:t>[strong, direct activation]</a:t>
+            </a:r>
+          </a:p>
+        </p:txBody>
+      </p:sp>
+      <p:sp>
+        <p:nvSpPr>
+          <p:cNvPr id="98" name="Textfeld 97">
+            <a:extLst>
+              <a:ext uri="{FF2B5EF4-FFF2-40B4-BE49-F238E27FC236}">
+                <a16:creationId xmlns:a16="http://schemas.microsoft.com/office/drawing/2014/main" id="{DD1B653C-043D-4A2B-B9CC-F9B3BC0BFD24}"/>
+              </a:ext>
+            </a:extLst>
+          </p:cNvPr>
+          <p:cNvSpPr txBox="1"/>
+          <p:nvPr/>
+        </p:nvSpPr>
+        <p:spPr>
+          <a:xfrm rot="2085108">
+            <a:off x="6874484" y="1611427"/>
+            <a:ext cx="1072724" cy="830997"/>
+          </a:xfrm>
+          <a:prstGeom prst="rect">
+            <a:avLst/>
+          </a:prstGeom>
+          <a:noFill/>
+        </p:spPr>
+        <p:txBody>
+          <a:bodyPr wrap="square" rtlCol="0">
+            <a:spAutoFit/>
+          </a:bodyPr>
+          <a:lstStyle/>
+          <a:p>
+            <a:r>
+              <a:rPr lang="en-US" sz="1200" dirty="0"/>
+              <a:t>inferred via naturalness &amp; evolutionary optimization</a:t>
+            </a:r>
+          </a:p>
+        </p:txBody>
+      </p:sp>
+      <p:sp>
+        <p:nvSpPr>
+          <p:cNvPr id="99" name="Geschweifte Klammer rechts 98">
+            <a:extLst>
+              <a:ext uri="{FF2B5EF4-FFF2-40B4-BE49-F238E27FC236}">
+                <a16:creationId xmlns:a16="http://schemas.microsoft.com/office/drawing/2014/main" id="{BE322640-EF91-42C7-90ED-E39C8A9C25A8}"/>
+              </a:ext>
+            </a:extLst>
+          </p:cNvPr>
+          <p:cNvSpPr/>
+          <p:nvPr/>
+        </p:nvSpPr>
+        <p:spPr>
+          <a:xfrm>
+            <a:off x="6749913" y="2262070"/>
+            <a:ext cx="262187" cy="1380065"/>
+          </a:xfrm>
+          <a:prstGeom prst="rightBrace">
+            <a:avLst/>
+          </a:prstGeom>
+          <a:ln w="28575"/>
+        </p:spPr>
+        <p:style>
+          <a:lnRef idx="1">
+            <a:schemeClr val="dk1"/>
+          </a:lnRef>
+          <a:fillRef idx="0">
+            <a:schemeClr val="dk1"/>
+          </a:fillRef>
+          <a:effectRef idx="0">
+            <a:schemeClr val="dk1"/>
+          </a:effectRef>
+          <a:fontRef idx="minor">
+            <a:schemeClr val="tx1"/>
+          </a:fontRef>
+        </p:style>
+        <p:txBody>
+          <a:bodyPr rtlCol="0" anchor="ctr"/>
+          <a:lstStyle/>
+          <a:p>
+            <a:pPr algn="ctr"/>
+            <a:endParaRPr lang="en-US"/>
+          </a:p>
+        </p:txBody>
+      </p:sp>
+      <p:cxnSp>
+        <p:nvCxnSpPr>
+          <p:cNvPr id="101" name="Straight Arrow Connector 12">
+            <a:extLst>
+              <a:ext uri="{FF2B5EF4-FFF2-40B4-BE49-F238E27FC236}">
+                <a16:creationId xmlns:a16="http://schemas.microsoft.com/office/drawing/2014/main" id="{261083F4-818A-4207-9A72-6B03FA087903}"/>
+              </a:ext>
+            </a:extLst>
+          </p:cNvPr>
+          <p:cNvCxnSpPr>
+            <a:cxnSpLocks/>
+            <a:stCxn id="99" idx="1"/>
+            <a:endCxn id="31" idx="1"/>
+          </p:cNvCxnSpPr>
+          <p:nvPr/>
+        </p:nvCxnSpPr>
+        <p:spPr>
+          <a:xfrm>
+            <a:off x="7012100" y="2952103"/>
+            <a:ext cx="2732538" cy="26370"/>
+          </a:xfrm>
+          <a:prstGeom prst="straightConnector1">
+            <a:avLst/>
+          </a:prstGeom>
+          <a:ln w="47625">
+            <a:solidFill>
+              <a:srgbClr val="859DB0"/>
+            </a:solidFill>
+            <a:tailEnd type="triangle"/>
+          </a:ln>
+        </p:spPr>
+        <p:style>
+          <a:lnRef idx="1">
+            <a:schemeClr val="accent1"/>
+          </a:lnRef>
+          <a:fillRef idx="0">
+            <a:schemeClr val="accent1"/>
+          </a:fillRef>
+          <a:effectRef idx="0">
+            <a:schemeClr val="accent1"/>
+          </a:effectRef>
+          <a:fontRef idx="minor">
+            <a:schemeClr val="tx1"/>
+          </a:fontRef>
+        </p:style>
+      </p:cxnSp>
+      <p:sp>
+        <p:nvSpPr>
+          <p:cNvPr id="104" name="Textfeld 103">
+            <a:extLst>
+              <a:ext uri="{FF2B5EF4-FFF2-40B4-BE49-F238E27FC236}">
+                <a16:creationId xmlns:a16="http://schemas.microsoft.com/office/drawing/2014/main" id="{48BA3D86-F3F6-456C-9738-320D6AA23FB7}"/>
+              </a:ext>
+            </a:extLst>
+          </p:cNvPr>
+          <p:cNvSpPr txBox="1"/>
+          <p:nvPr/>
+        </p:nvSpPr>
+        <p:spPr>
+          <a:xfrm>
+            <a:off x="7347210" y="2961509"/>
+            <a:ext cx="1784485" cy="276999"/>
+          </a:xfrm>
+          <a:prstGeom prst="rect">
+            <a:avLst/>
+          </a:prstGeom>
+          <a:noFill/>
+        </p:spPr>
+        <p:txBody>
+          <a:bodyPr wrap="square" rtlCol="0">
+            <a:spAutoFit/>
+          </a:bodyPr>
+          <a:lstStyle/>
+          <a:p>
+            <a:r>
+              <a:rPr lang="en-US" sz="1200" dirty="0"/>
+              <a:t>[strong, direct activation]</a:t>
+            </a:r>
+          </a:p>
+        </p:txBody>
+      </p:sp>
+      <p:cxnSp>
+        <p:nvCxnSpPr>
+          <p:cNvPr id="105" name="Straight Arrow Connector 12">
+            <a:extLst>
+              <a:ext uri="{FF2B5EF4-FFF2-40B4-BE49-F238E27FC236}">
+                <a16:creationId xmlns:a16="http://schemas.microsoft.com/office/drawing/2014/main" id="{476DF29A-38A2-4AC6-B162-2AB69424E594}"/>
+              </a:ext>
+            </a:extLst>
+          </p:cNvPr>
+          <p:cNvCxnSpPr>
+            <a:cxnSpLocks/>
+            <a:stCxn id="99" idx="1"/>
+            <a:endCxn id="30" idx="1"/>
+          </p:cNvCxnSpPr>
+          <p:nvPr/>
+        </p:nvCxnSpPr>
+        <p:spPr>
+          <a:xfrm flipV="1">
+            <a:off x="7012100" y="1300240"/>
+            <a:ext cx="2732537" cy="1651863"/>
+          </a:xfrm>
+          <a:prstGeom prst="straightConnector1">
+            <a:avLst/>
+          </a:prstGeom>
+          <a:ln w="47625">
+            <a:solidFill>
+              <a:srgbClr val="859DB0"/>
+            </a:solidFill>
+            <a:prstDash val="lgDashDotDot"/>
+            <a:tailEnd type="triangle"/>
+          </a:ln>
+        </p:spPr>
+        <p:style>
+          <a:lnRef idx="1">
+            <a:schemeClr val="accent1"/>
+          </a:lnRef>
+          <a:fillRef idx="0">
+            <a:schemeClr val="accent1"/>
+          </a:fillRef>
+          <a:effectRef idx="0">
+            <a:schemeClr val="accent1"/>
+          </a:effectRef>
+          <a:fontRef idx="minor">
+            <a:schemeClr val="tx1"/>
+          </a:fontRef>
+        </p:style>
+      </p:cxnSp>
+      <p:sp>
+        <p:nvSpPr>
+          <p:cNvPr id="108" name="Textfeld 107">
+            <a:extLst>
+              <a:ext uri="{FF2B5EF4-FFF2-40B4-BE49-F238E27FC236}">
+                <a16:creationId xmlns:a16="http://schemas.microsoft.com/office/drawing/2014/main" id="{1378F468-C833-4769-83A7-9F52F04BA586}"/>
+              </a:ext>
+            </a:extLst>
+          </p:cNvPr>
+          <p:cNvSpPr txBox="1"/>
+          <p:nvPr/>
+        </p:nvSpPr>
+        <p:spPr>
+          <a:xfrm rot="19578842">
+            <a:off x="7639010" y="2198561"/>
+            <a:ext cx="1218033" cy="461665"/>
+          </a:xfrm>
+          <a:prstGeom prst="rect">
+            <a:avLst/>
+          </a:prstGeom>
+          <a:noFill/>
+        </p:spPr>
+        <p:txBody>
+          <a:bodyPr wrap="square" rtlCol="0">
+            <a:spAutoFit/>
+          </a:bodyPr>
+          <a:lstStyle/>
+          <a:p>
+            <a:r>
+              <a:rPr lang="en-US" sz="1200" dirty="0"/>
+              <a:t>[weaker, indirect]</a:t>
+            </a:r>
+          </a:p>
+        </p:txBody>
+      </p:sp>
+      <p:sp>
+        <p:nvSpPr>
+          <p:cNvPr id="111" name="Additionszeichen 110">
+            <a:extLst>
+              <a:ext uri="{FF2B5EF4-FFF2-40B4-BE49-F238E27FC236}">
+                <a16:creationId xmlns:a16="http://schemas.microsoft.com/office/drawing/2014/main" id="{F234ACB7-346F-4C80-B266-B9A5613BDF70}"/>
+              </a:ext>
+            </a:extLst>
+          </p:cNvPr>
+          <p:cNvSpPr/>
+          <p:nvPr/>
+        </p:nvSpPr>
+        <p:spPr>
+          <a:xfrm>
+            <a:off x="9077230" y="2226758"/>
+            <a:ext cx="586680" cy="432916"/>
+          </a:xfrm>
+          <a:prstGeom prst="mathPlus">
+            <a:avLst/>
+          </a:prstGeom>
+        </p:spPr>
+        <p:style>
+          <a:lnRef idx="2">
+            <a:schemeClr val="accent3">
+              <a:shade val="50000"/>
+            </a:schemeClr>
+          </a:lnRef>
+          <a:fillRef idx="1">
+            <a:schemeClr val="accent3"/>
+          </a:fillRef>
+          <a:effectRef idx="0">
+            <a:schemeClr val="accent3"/>
+          </a:effectRef>
+          <a:fontRef idx="minor">
+            <a:schemeClr val="lt1"/>
+          </a:fontRef>
+        </p:style>
+        <p:txBody>
+          <a:bodyPr rtlCol="0" anchor="ctr"/>
+          <a:lstStyle/>
+          <a:p>
+            <a:pPr algn="ctr"/>
+            <a:endParaRPr lang="en-US"/>
+          </a:p>
+        </p:txBody>
+      </p:sp>
+      <p:sp>
+        <p:nvSpPr>
+          <p:cNvPr id="113" name="Minuszeichen 112">
+            <a:extLst>
+              <a:ext uri="{FF2B5EF4-FFF2-40B4-BE49-F238E27FC236}">
+                <a16:creationId xmlns:a16="http://schemas.microsoft.com/office/drawing/2014/main" id="{24003DB2-CCE4-4AA8-B608-14274CEDF744}"/>
+              </a:ext>
+            </a:extLst>
+          </p:cNvPr>
+          <p:cNvSpPr/>
+          <p:nvPr/>
+        </p:nvSpPr>
+        <p:spPr>
+          <a:xfrm>
+            <a:off x="9077230" y="1606888"/>
+            <a:ext cx="586680" cy="346189"/>
+          </a:xfrm>
+          <a:prstGeom prst="mathMinus">
+            <a:avLst/>
+          </a:prstGeom>
+        </p:spPr>
+        <p:style>
+          <a:lnRef idx="2">
+            <a:schemeClr val="accent3">
+              <a:shade val="50000"/>
+            </a:schemeClr>
+          </a:lnRef>
+          <a:fillRef idx="1">
+            <a:schemeClr val="accent3"/>
+          </a:fillRef>
+          <a:effectRef idx="0">
+            <a:schemeClr val="accent3"/>
+          </a:effectRef>
+          <a:fontRef idx="minor">
+            <a:schemeClr val="lt1"/>
+          </a:fontRef>
+        </p:style>
+        <p:txBody>
+          <a:bodyPr rtlCol="0" anchor="ctr"/>
+          <a:lstStyle/>
+          <a:p>
+            <a:pPr algn="ctr"/>
+            <a:endParaRPr lang="en-US" dirty="0"/>
+          </a:p>
+        </p:txBody>
+      </p:sp>
+      <p:sp>
+        <p:nvSpPr>
+          <p:cNvPr id="114" name="Geschweifte Klammer rechts 113">
+            <a:extLst>
+              <a:ext uri="{FF2B5EF4-FFF2-40B4-BE49-F238E27FC236}">
+                <a16:creationId xmlns:a16="http://schemas.microsoft.com/office/drawing/2014/main" id="{E4558536-8032-493E-AD7E-73D5682E08DA}"/>
+              </a:ext>
+            </a:extLst>
+          </p:cNvPr>
+          <p:cNvSpPr/>
+          <p:nvPr/>
+        </p:nvSpPr>
+        <p:spPr>
+          <a:xfrm rot="5400000">
+            <a:off x="8246402" y="2235132"/>
+            <a:ext cx="262187" cy="2572828"/>
+          </a:xfrm>
+          <a:prstGeom prst="rightBrace">
+            <a:avLst/>
+          </a:prstGeom>
+          <a:ln w="28575">
+            <a:prstDash val="sysDash"/>
+          </a:ln>
+        </p:spPr>
+        <p:style>
+          <a:lnRef idx="1">
+            <a:schemeClr val="dk1"/>
+          </a:lnRef>
+          <a:fillRef idx="0">
+            <a:schemeClr val="dk1"/>
+          </a:fillRef>
+          <a:effectRef idx="0">
+            <a:schemeClr val="dk1"/>
+          </a:effectRef>
+          <a:fontRef idx="minor">
+            <a:schemeClr val="tx1"/>
+          </a:fontRef>
+        </p:style>
+        <p:txBody>
+          <a:bodyPr rtlCol="0" anchor="ctr"/>
+          <a:lstStyle/>
+          <a:p>
+            <a:pPr algn="ctr"/>
+            <a:endParaRPr lang="en-US"/>
+          </a:p>
+        </p:txBody>
+      </p:sp>
+      <p:sp>
+        <p:nvSpPr>
+          <p:cNvPr id="124" name="Textfeld 123">
+            <a:extLst>
+              <a:ext uri="{FF2B5EF4-FFF2-40B4-BE49-F238E27FC236}">
+                <a16:creationId xmlns:a16="http://schemas.microsoft.com/office/drawing/2014/main" id="{85799CA7-4A92-4B7D-865A-0827CE5D4AA8}"/>
+              </a:ext>
+            </a:extLst>
+          </p:cNvPr>
+          <p:cNvSpPr txBox="1"/>
+          <p:nvPr/>
+        </p:nvSpPr>
+        <p:spPr>
+          <a:xfrm>
+            <a:off x="7089209" y="3777614"/>
+            <a:ext cx="4265848" cy="523220"/>
+          </a:xfrm>
+          <a:prstGeom prst="rect">
+            <a:avLst/>
+          </a:prstGeom>
+          <a:noFill/>
+        </p:spPr>
+        <p:txBody>
+          <a:bodyPr wrap="none" rtlCol="0">
+            <a:spAutoFit/>
+          </a:bodyPr>
+          <a:lstStyle/>
+          <a:p>
+            <a:r>
+              <a:rPr lang="en-US" sz="1400" dirty="0"/>
+              <a:t>Biomimetic Promise &gt; implicit assumption: what comes </a:t>
+            </a:r>
+          </a:p>
+          <a:p>
+            <a:r>
+              <a:rPr lang="en-US" sz="1400" dirty="0"/>
+              <a:t>               from nature is efficient, benign, and sustainable</a:t>
+            </a:r>
+          </a:p>
+        </p:txBody>
+      </p:sp>
     </p:spTree>
     <p:extLst>
       <p:ext uri="{BB962C8B-B14F-4D97-AF65-F5344CB8AC3E}">
